--- a/画面遷移図.pptx
+++ b/画面遷移図.pptx
@@ -5,8 +5,9 @@
     <p:sldMasterId id="2147483648" r:id="rId1"/>
   </p:sldMasterIdLst>
   <p:sldIdLst>
-    <p:sldId id="256" r:id="rId2"/>
-    <p:sldId id="257" r:id="rId3"/>
+    <p:sldId id="258" r:id="rId2"/>
+    <p:sldId id="256" r:id="rId3"/>
+    <p:sldId id="257" r:id="rId4"/>
   </p:sldIdLst>
   <p:sldSz cx="12192000" cy="6858000"/>
   <p:notesSz cx="6858000" cy="9144000"/>
@@ -3245,8 +3246,8 @@
         </p:nvSpPr>
         <p:spPr>
           <a:xfrm>
-            <a:off x="4305671" y="337352"/>
-            <a:ext cx="1482571" cy="328474"/>
+            <a:off x="4904934" y="348828"/>
+            <a:ext cx="1500010" cy="649740"/>
           </a:xfrm>
           <a:prstGeom prst="rect">
             <a:avLst/>
@@ -3256,9 +3257,7 @@
           </a:solidFill>
           <a:ln>
             <a:solidFill>
-              <a:schemeClr val="accent1">
-                <a:lumMod val="50000"/>
-              </a:schemeClr>
+              <a:schemeClr val="tx1"/>
             </a:solidFill>
           </a:ln>
         </p:spPr>
@@ -3284,14 +3283,14 @@
           <a:p>
             <a:pPr algn="ctr"/>
             <a:r>
-              <a:rPr lang="ja-JP" altLang="en-US" sz="1000" dirty="0">
-                <a:solidFill>
-                  <a:schemeClr val="tx1"/>
-                </a:solidFill>
-              </a:rPr>
-              <a:t>ログイン画面</a:t>
-            </a:r>
-            <a:endParaRPr lang="en-US" altLang="ja-JP" sz="1000" dirty="0">
+              <a:rPr kumimoji="1" lang="ja-JP" altLang="en-US" sz="1400" dirty="0">
+                <a:solidFill>
+                  <a:schemeClr val="tx1"/>
+                </a:solidFill>
+              </a:rPr>
+              <a:t>トップページ</a:t>
+            </a:r>
+            <a:endParaRPr kumimoji="1" lang="en-US" altLang="ja-JP" sz="1400" dirty="0">
               <a:solidFill>
                 <a:schemeClr val="tx1"/>
               </a:solidFill>
@@ -3300,14 +3299,14 @@
           <a:p>
             <a:pPr algn="ctr"/>
             <a:r>
-              <a:rPr lang="en-US" altLang="ja-JP" sz="1000" dirty="0">
-                <a:solidFill>
-                  <a:schemeClr val="tx1"/>
-                </a:solidFill>
-              </a:rPr>
-              <a:t>login.html</a:t>
-            </a:r>
-            <a:endParaRPr kumimoji="1" lang="ja-JP" altLang="en-US" sz="1000" dirty="0">
+              <a:rPr lang="en-US" altLang="ja-JP" sz="1400" dirty="0" err="1">
+                <a:solidFill>
+                  <a:schemeClr val="tx1"/>
+                </a:solidFill>
+              </a:rPr>
+              <a:t>topPage.php</a:t>
+            </a:r>
+            <a:endParaRPr kumimoji="1" lang="ja-JP" altLang="en-US" sz="1400" dirty="0">
               <a:solidFill>
                 <a:schemeClr val="tx1"/>
               </a:solidFill>
@@ -3323,8 +3322,8 @@
         </p:nvSpPr>
         <p:spPr>
           <a:xfrm>
-            <a:off x="4305671" y="844860"/>
-            <a:ext cx="1482571" cy="328474"/>
+            <a:off x="222486" y="1566925"/>
+            <a:ext cx="1903314" cy="649740"/>
           </a:xfrm>
           <a:prstGeom prst="rect">
             <a:avLst/>
@@ -3334,9 +3333,7 @@
           </a:solidFill>
           <a:ln>
             <a:solidFill>
-              <a:schemeClr val="accent1">
-                <a:lumMod val="50000"/>
-              </a:schemeClr>
+              <a:schemeClr val="tx1"/>
             </a:solidFill>
           </a:ln>
         </p:spPr>
@@ -3362,14 +3359,14 @@
           <a:p>
             <a:pPr algn="ctr"/>
             <a:r>
-              <a:rPr lang="ja-JP" altLang="en-US" sz="1000" dirty="0">
-                <a:solidFill>
-                  <a:schemeClr val="tx1"/>
-                </a:solidFill>
-              </a:rPr>
-              <a:t>管理トップ画面</a:t>
-            </a:r>
-            <a:endParaRPr lang="en-US" altLang="ja-JP" sz="1000" dirty="0">
+              <a:rPr kumimoji="1" lang="ja-JP" altLang="en-US" sz="1400" dirty="0">
+                <a:solidFill>
+                  <a:schemeClr val="tx1"/>
+                </a:solidFill>
+              </a:rPr>
+              <a:t>分野別検索</a:t>
+            </a:r>
+            <a:endParaRPr kumimoji="1" lang="en-US" altLang="ja-JP" sz="1400" dirty="0">
               <a:solidFill>
                 <a:schemeClr val="tx1"/>
               </a:solidFill>
@@ -3378,14 +3375,14 @@
           <a:p>
             <a:pPr algn="ctr"/>
             <a:r>
-              <a:rPr lang="en-US" altLang="ja-JP" sz="1000" dirty="0" err="1">
-                <a:solidFill>
-                  <a:schemeClr val="tx1"/>
-                </a:solidFill>
-              </a:rPr>
-              <a:t>kanri.php</a:t>
-            </a:r>
-            <a:endParaRPr kumimoji="1" lang="ja-JP" altLang="en-US" sz="1000" dirty="0">
+              <a:rPr kumimoji="1" lang="en-US" altLang="ja-JP" sz="1400" dirty="0" err="1">
+                <a:solidFill>
+                  <a:schemeClr val="tx1"/>
+                </a:solidFill>
+              </a:rPr>
+              <a:t>bunya.php</a:t>
+            </a:r>
+            <a:endParaRPr kumimoji="1" lang="en-US" altLang="ja-JP" sz="1400" dirty="0">
               <a:solidFill>
                 <a:schemeClr val="tx1"/>
               </a:solidFill>
@@ -3393,49 +3390,16 @@
           </a:p>
         </p:txBody>
       </p:sp>
-      <p:cxnSp>
-        <p:nvCxnSpPr>
-          <p:cNvPr id="15" name="直線コネクタ 14"/>
-          <p:cNvCxnSpPr>
-            <a:stCxn id="4" idx="2"/>
-            <a:endCxn id="5" idx="0"/>
-          </p:cNvCxnSpPr>
-          <p:nvPr/>
-        </p:nvCxnSpPr>
+      <p:sp>
+        <p:nvSpPr>
+          <p:cNvPr id="6" name="正方形/長方形 5"/>
+          <p:cNvSpPr/>
+          <p:nvPr/>
+        </p:nvSpPr>
         <p:spPr>
           <a:xfrm>
-            <a:off x="5046957" y="665826"/>
-            <a:ext cx="0" cy="179034"/>
-          </a:xfrm>
-          <a:prstGeom prst="line">
-            <a:avLst/>
-          </a:prstGeom>
-        </p:spPr>
-        <p:style>
-          <a:lnRef idx="1">
-            <a:schemeClr val="accent1"/>
-          </a:lnRef>
-          <a:fillRef idx="0">
-            <a:schemeClr val="accent1"/>
-          </a:fillRef>
-          <a:effectRef idx="0">
-            <a:schemeClr val="accent1"/>
-          </a:effectRef>
-          <a:fontRef idx="minor">
-            <a:schemeClr val="tx1"/>
-          </a:fontRef>
-        </p:style>
-      </p:cxnSp>
-      <p:sp>
-        <p:nvSpPr>
-          <p:cNvPr id="18" name="正方形/長方形 17"/>
-          <p:cNvSpPr/>
-          <p:nvPr/>
-        </p:nvSpPr>
-        <p:spPr>
-          <a:xfrm>
-            <a:off x="1766657" y="1370130"/>
-            <a:ext cx="1482571" cy="328474"/>
+            <a:off x="2193217" y="2770022"/>
+            <a:ext cx="2044363" cy="649740"/>
           </a:xfrm>
           <a:prstGeom prst="rect">
             <a:avLst/>
@@ -3445,9 +3409,7 @@
           </a:solidFill>
           <a:ln>
             <a:solidFill>
-              <a:schemeClr val="accent1">
-                <a:lumMod val="50000"/>
-              </a:schemeClr>
+              <a:schemeClr val="tx1"/>
             </a:solidFill>
           </a:ln>
         </p:spPr>
@@ -3473,14 +3435,14 @@
           <a:p>
             <a:pPr algn="ctr"/>
             <a:r>
-              <a:rPr lang="ja-JP" altLang="en-US" sz="1000" dirty="0">
-                <a:solidFill>
-                  <a:schemeClr val="tx1"/>
-                </a:solidFill>
-              </a:rPr>
-              <a:t>タグ管理トップ画面</a:t>
-            </a:r>
-            <a:endParaRPr lang="en-US" altLang="ja-JP" sz="1000" dirty="0">
+              <a:rPr lang="ja-JP" altLang="en-US" sz="1200" dirty="0">
+                <a:solidFill>
+                  <a:schemeClr val="tx1"/>
+                </a:solidFill>
+              </a:rPr>
+              <a:t>イメージ検索結果一覧</a:t>
+            </a:r>
+            <a:endParaRPr lang="en-US" altLang="ja-JP" sz="1200" dirty="0">
               <a:solidFill>
                 <a:schemeClr val="tx1"/>
               </a:solidFill>
@@ -3489,14 +3451,14 @@
           <a:p>
             <a:pPr algn="ctr"/>
             <a:r>
-              <a:rPr lang="en-US" altLang="ja-JP" sz="1000" dirty="0" err="1">
-                <a:solidFill>
-                  <a:schemeClr val="tx1"/>
-                </a:solidFill>
-              </a:rPr>
-              <a:t>tagTop.php</a:t>
-            </a:r>
-            <a:endParaRPr kumimoji="1" lang="ja-JP" altLang="en-US" sz="1000" dirty="0">
+              <a:rPr lang="en-US" altLang="ja-JP" sz="1200" dirty="0">
+                <a:solidFill>
+                  <a:schemeClr val="tx1"/>
+                </a:solidFill>
+              </a:rPr>
+              <a:t>subjectImageSearch2.php</a:t>
+            </a:r>
+            <a:endParaRPr kumimoji="1" lang="ja-JP" altLang="en-US" sz="1200" dirty="0">
               <a:solidFill>
                 <a:schemeClr val="tx1"/>
               </a:solidFill>
@@ -3506,14 +3468,14 @@
       </p:sp>
       <p:sp>
         <p:nvSpPr>
-          <p:cNvPr id="19" name="正方形/長方形 18"/>
+          <p:cNvPr id="7" name="正方形/長方形 6"/>
           <p:cNvSpPr/>
           <p:nvPr/>
         </p:nvSpPr>
         <p:spPr>
           <a:xfrm>
-            <a:off x="7720243" y="1373097"/>
-            <a:ext cx="1712650" cy="328474"/>
+            <a:off x="4307795" y="1566925"/>
+            <a:ext cx="1627442" cy="649740"/>
           </a:xfrm>
           <a:prstGeom prst="rect">
             <a:avLst/>
@@ -3523,9 +3485,7 @@
           </a:solidFill>
           <a:ln>
             <a:solidFill>
-              <a:schemeClr val="accent1">
-                <a:lumMod val="50000"/>
-              </a:schemeClr>
+              <a:schemeClr val="tx1"/>
             </a:solidFill>
           </a:ln>
         </p:spPr>
@@ -3551,14 +3511,22 @@
           <a:p>
             <a:pPr algn="ctr"/>
             <a:r>
-              <a:rPr lang="ja-JP" altLang="en-US" sz="1000" dirty="0">
-                <a:solidFill>
-                  <a:schemeClr val="tx1"/>
-                </a:solidFill>
-              </a:rPr>
-              <a:t>学校・学科管理トップ画面</a:t>
-            </a:r>
-            <a:endParaRPr lang="en-US" altLang="ja-JP" sz="1000" dirty="0">
+              <a:rPr kumimoji="1" lang="en-US" altLang="ja-JP" sz="1400" dirty="0">
+                <a:solidFill>
+                  <a:schemeClr val="tx1"/>
+                </a:solidFill>
+              </a:rPr>
+              <a:t>50</a:t>
+            </a:r>
+            <a:r>
+              <a:rPr kumimoji="1" lang="ja-JP" altLang="en-US" sz="1400" dirty="0">
+                <a:solidFill>
+                  <a:schemeClr val="tx1"/>
+                </a:solidFill>
+              </a:rPr>
+              <a:t>音検索</a:t>
+            </a:r>
+            <a:endParaRPr kumimoji="1" lang="en-US" altLang="ja-JP" sz="1400" dirty="0">
               <a:solidFill>
                 <a:schemeClr val="tx1"/>
               </a:solidFill>
@@ -3567,14 +3535,22 @@
           <a:p>
             <a:pPr algn="ctr"/>
             <a:r>
-              <a:rPr lang="en-US" altLang="ja-JP" sz="1000" dirty="0" err="1">
-                <a:solidFill>
-                  <a:schemeClr val="tx1"/>
-                </a:solidFill>
-              </a:rPr>
-              <a:t>schoolTop.php</a:t>
-            </a:r>
-            <a:endParaRPr kumimoji="1" lang="ja-JP" altLang="en-US" sz="1000" dirty="0">
+              <a:rPr lang="en-US" altLang="ja-JP" sz="1400" dirty="0" err="1">
+                <a:solidFill>
+                  <a:schemeClr val="tx1"/>
+                </a:solidFill>
+              </a:rPr>
+              <a:t>g</a:t>
+            </a:r>
+            <a:r>
+              <a:rPr kumimoji="1" lang="en-US" altLang="ja-JP" sz="1400" dirty="0" err="1">
+                <a:solidFill>
+                  <a:schemeClr val="tx1"/>
+                </a:solidFill>
+              </a:rPr>
+              <a:t>ojyu.php</a:t>
+            </a:r>
+            <a:endParaRPr kumimoji="1" lang="ja-JP" altLang="en-US" sz="1400" dirty="0">
               <a:solidFill>
                 <a:schemeClr val="tx1"/>
               </a:solidFill>
@@ -3582,86 +3558,16 @@
           </a:p>
         </p:txBody>
       </p:sp>
-      <p:cxnSp>
-        <p:nvCxnSpPr>
-          <p:cNvPr id="14" name="カギ線コネクタ 13"/>
-          <p:cNvCxnSpPr>
-            <a:stCxn id="5" idx="2"/>
-            <a:endCxn id="18" idx="0"/>
-          </p:cNvCxnSpPr>
-          <p:nvPr/>
-        </p:nvCxnSpPr>
-        <p:spPr>
-          <a:xfrm rot="5400000">
-            <a:off x="3679052" y="2225"/>
-            <a:ext cx="196796" cy="2539014"/>
-          </a:xfrm>
-          <a:prstGeom prst="bentConnector3">
-            <a:avLst>
-              <a:gd name="adj1" fmla="val 50000"/>
-            </a:avLst>
-          </a:prstGeom>
-        </p:spPr>
-        <p:style>
-          <a:lnRef idx="1">
-            <a:schemeClr val="accent1"/>
-          </a:lnRef>
-          <a:fillRef idx="0">
-            <a:schemeClr val="accent1"/>
-          </a:fillRef>
-          <a:effectRef idx="0">
-            <a:schemeClr val="accent1"/>
-          </a:effectRef>
-          <a:fontRef idx="minor">
-            <a:schemeClr val="tx1"/>
-          </a:fontRef>
-        </p:style>
-      </p:cxnSp>
-      <p:cxnSp>
-        <p:nvCxnSpPr>
-          <p:cNvPr id="21" name="カギ線コネクタ 20"/>
-          <p:cNvCxnSpPr>
-            <a:stCxn id="5" idx="2"/>
-            <a:endCxn id="19" idx="0"/>
-          </p:cNvCxnSpPr>
-          <p:nvPr/>
-        </p:nvCxnSpPr>
-        <p:spPr>
-          <a:xfrm rot="16200000" flipH="1">
-            <a:off x="6711881" y="-491591"/>
-            <a:ext cx="199763" cy="3529611"/>
-          </a:xfrm>
-          <a:prstGeom prst="bentConnector3">
-            <a:avLst>
-              <a:gd name="adj1" fmla="val 50000"/>
-            </a:avLst>
-          </a:prstGeom>
-        </p:spPr>
-        <p:style>
-          <a:lnRef idx="1">
-            <a:schemeClr val="accent1"/>
-          </a:lnRef>
-          <a:fillRef idx="0">
-            <a:schemeClr val="accent1"/>
-          </a:fillRef>
-          <a:effectRef idx="0">
-            <a:schemeClr val="accent1"/>
-          </a:effectRef>
-          <a:fontRef idx="minor">
-            <a:schemeClr val="tx1"/>
-          </a:fontRef>
-        </p:style>
-      </p:cxnSp>
-      <p:sp>
-        <p:nvSpPr>
-          <p:cNvPr id="23" name="正方形/長方形 22"/>
+      <p:sp>
+        <p:nvSpPr>
+          <p:cNvPr id="8" name="正方形/長方形 7"/>
           <p:cNvSpPr/>
           <p:nvPr/>
         </p:nvSpPr>
         <p:spPr>
           <a:xfrm>
-            <a:off x="2689935" y="2151368"/>
-            <a:ext cx="1482571" cy="328474"/>
+            <a:off x="2213990" y="1566925"/>
+            <a:ext cx="2002818" cy="649740"/>
           </a:xfrm>
           <a:prstGeom prst="rect">
             <a:avLst/>
@@ -3671,9 +3577,7 @@
           </a:solidFill>
           <a:ln>
             <a:solidFill>
-              <a:schemeClr val="accent1">
-                <a:lumMod val="50000"/>
-              </a:schemeClr>
+              <a:schemeClr val="tx1"/>
             </a:solidFill>
           </a:ln>
         </p:spPr>
@@ -3699,14 +3603,14 @@
           <a:p>
             <a:pPr algn="ctr"/>
             <a:r>
-              <a:rPr lang="ja-JP" altLang="en-US" sz="1000" dirty="0">
-                <a:solidFill>
-                  <a:schemeClr val="tx1"/>
-                </a:solidFill>
-              </a:rPr>
-              <a:t>新規タグ情報入力画面</a:t>
-            </a:r>
-            <a:endParaRPr lang="en-US" altLang="ja-JP" sz="1000" dirty="0">
+              <a:rPr lang="ja-JP" altLang="en-US" sz="1400" dirty="0">
+                <a:solidFill>
+                  <a:schemeClr val="tx1"/>
+                </a:solidFill>
+              </a:rPr>
+              <a:t>イメージ検索</a:t>
+            </a:r>
+            <a:endParaRPr lang="en-US" altLang="ja-JP" sz="1400" dirty="0">
               <a:solidFill>
                 <a:schemeClr val="tx1"/>
               </a:solidFill>
@@ -3715,14 +3619,14 @@
           <a:p>
             <a:pPr algn="ctr"/>
             <a:r>
-              <a:rPr lang="en-US" altLang="ja-JP" sz="1000" dirty="0" err="1">
-                <a:solidFill>
-                  <a:schemeClr val="tx1"/>
-                </a:solidFill>
-              </a:rPr>
-              <a:t>tagMake.php</a:t>
-            </a:r>
-            <a:endParaRPr kumimoji="1" lang="ja-JP" altLang="en-US" sz="1000" dirty="0">
+              <a:rPr lang="en-US" altLang="ja-JP" sz="1400" dirty="0" err="1">
+                <a:solidFill>
+                  <a:schemeClr val="tx1"/>
+                </a:solidFill>
+              </a:rPr>
+              <a:t>image.php</a:t>
+            </a:r>
+            <a:endParaRPr lang="en-US" altLang="ja-JP" sz="1400" dirty="0">
               <a:solidFill>
                 <a:schemeClr val="tx1"/>
               </a:solidFill>
@@ -3732,14 +3636,14 @@
       </p:sp>
       <p:sp>
         <p:nvSpPr>
-          <p:cNvPr id="24" name="正方形/長方形 23"/>
+          <p:cNvPr id="9" name="正方形/長方形 8"/>
           <p:cNvSpPr/>
           <p:nvPr/>
         </p:nvSpPr>
         <p:spPr>
           <a:xfrm>
-            <a:off x="756083" y="2151368"/>
-            <a:ext cx="1482571" cy="328474"/>
+            <a:off x="4908021" y="4593381"/>
+            <a:ext cx="1496923" cy="649740"/>
           </a:xfrm>
           <a:prstGeom prst="rect">
             <a:avLst/>
@@ -3749,9 +3653,7 @@
           </a:solidFill>
           <a:ln>
             <a:solidFill>
-              <a:schemeClr val="accent1">
-                <a:lumMod val="50000"/>
-              </a:schemeClr>
+              <a:schemeClr val="tx1"/>
             </a:solidFill>
           </a:ln>
         </p:spPr>
@@ -3777,14 +3679,14 @@
           <a:p>
             <a:pPr algn="ctr"/>
             <a:r>
-              <a:rPr lang="ja-JP" altLang="en-US" sz="1000" dirty="0">
-                <a:solidFill>
-                  <a:schemeClr val="tx1"/>
-                </a:solidFill>
-              </a:rPr>
-              <a:t>変更タグ選択画面</a:t>
-            </a:r>
-            <a:endParaRPr lang="en-US" altLang="ja-JP" sz="1000" dirty="0">
+              <a:rPr kumimoji="1" lang="ja-JP" altLang="en-US" sz="1200" dirty="0">
+                <a:solidFill>
+                  <a:schemeClr val="tx1"/>
+                </a:solidFill>
+              </a:rPr>
+              <a:t>職業詳細</a:t>
+            </a:r>
+            <a:endParaRPr kumimoji="1" lang="en-US" altLang="ja-JP" sz="1200" dirty="0">
               <a:solidFill>
                 <a:schemeClr val="tx1"/>
               </a:solidFill>
@@ -3793,14 +3695,14 @@
           <a:p>
             <a:pPr algn="ctr"/>
             <a:r>
-              <a:rPr lang="en-US" altLang="ja-JP" sz="1000" dirty="0" err="1">
-                <a:solidFill>
-                  <a:schemeClr val="tx1"/>
-                </a:solidFill>
-              </a:rPr>
-              <a:t>tagKanriSelect.php</a:t>
-            </a:r>
-            <a:endParaRPr kumimoji="1" lang="ja-JP" altLang="en-US" sz="1000" dirty="0">
+              <a:rPr kumimoji="1" lang="en-US" altLang="ja-JP" sz="1200" dirty="0" err="1">
+                <a:solidFill>
+                  <a:schemeClr val="tx1"/>
+                </a:solidFill>
+              </a:rPr>
+              <a:t>Jobdetail.php</a:t>
+            </a:r>
+            <a:endParaRPr kumimoji="1" lang="ja-JP" altLang="en-US" sz="1200" dirty="0">
               <a:solidFill>
                 <a:schemeClr val="tx1"/>
               </a:solidFill>
@@ -3808,82 +3710,16 @@
           </a:p>
         </p:txBody>
       </p:sp>
-      <p:cxnSp>
-        <p:nvCxnSpPr>
-          <p:cNvPr id="26" name="カギ線コネクタ 25"/>
-          <p:cNvCxnSpPr>
-            <a:stCxn id="18" idx="2"/>
-            <a:endCxn id="23" idx="0"/>
-          </p:cNvCxnSpPr>
-          <p:nvPr/>
-        </p:nvCxnSpPr>
-        <p:spPr>
-          <a:xfrm rot="16200000" flipH="1">
-            <a:off x="2743200" y="1463347"/>
-            <a:ext cx="452764" cy="923278"/>
-          </a:xfrm>
-          <a:prstGeom prst="bentConnector3">
-            <a:avLst/>
-          </a:prstGeom>
-        </p:spPr>
-        <p:style>
-          <a:lnRef idx="1">
-            <a:schemeClr val="accent1"/>
-          </a:lnRef>
-          <a:fillRef idx="0">
-            <a:schemeClr val="accent1"/>
-          </a:fillRef>
-          <a:effectRef idx="0">
-            <a:schemeClr val="accent1"/>
-          </a:effectRef>
-          <a:fontRef idx="minor">
-            <a:schemeClr val="tx1"/>
-          </a:fontRef>
-        </p:style>
-      </p:cxnSp>
-      <p:cxnSp>
-        <p:nvCxnSpPr>
-          <p:cNvPr id="29" name="カギ線コネクタ 28"/>
-          <p:cNvCxnSpPr>
-            <a:stCxn id="18" idx="2"/>
-            <a:endCxn id="24" idx="0"/>
-          </p:cNvCxnSpPr>
-          <p:nvPr/>
-        </p:nvCxnSpPr>
-        <p:spPr>
-          <a:xfrm rot="5400000">
-            <a:off x="1776274" y="1419699"/>
-            <a:ext cx="452764" cy="1010574"/>
-          </a:xfrm>
-          <a:prstGeom prst="bentConnector3">
-            <a:avLst/>
-          </a:prstGeom>
-        </p:spPr>
-        <p:style>
-          <a:lnRef idx="1">
-            <a:schemeClr val="accent1"/>
-          </a:lnRef>
-          <a:fillRef idx="0">
-            <a:schemeClr val="accent1"/>
-          </a:fillRef>
-          <a:effectRef idx="0">
-            <a:schemeClr val="accent1"/>
-          </a:effectRef>
-          <a:fontRef idx="minor">
-            <a:schemeClr val="tx1"/>
-          </a:fontRef>
-        </p:style>
-      </p:cxnSp>
-      <p:sp>
-        <p:nvSpPr>
-          <p:cNvPr id="31" name="正方形/長方形 30"/>
+      <p:sp>
+        <p:nvSpPr>
+          <p:cNvPr id="10" name="正方形/長方形 9"/>
           <p:cNvSpPr/>
           <p:nvPr/>
         </p:nvSpPr>
         <p:spPr>
           <a:xfrm>
-            <a:off x="756082" y="2676630"/>
-            <a:ext cx="1482571" cy="328474"/>
+            <a:off x="8026122" y="1566925"/>
+            <a:ext cx="1897718" cy="649740"/>
           </a:xfrm>
           <a:prstGeom prst="rect">
             <a:avLst/>
@@ -3893,9 +3729,7 @@
           </a:solidFill>
           <a:ln>
             <a:solidFill>
-              <a:schemeClr val="accent1">
-                <a:lumMod val="50000"/>
-              </a:schemeClr>
+              <a:schemeClr val="tx1"/>
             </a:solidFill>
           </a:ln>
         </p:spPr>
@@ -3921,14 +3755,14 @@
           <a:p>
             <a:pPr algn="ctr"/>
             <a:r>
-              <a:rPr lang="ja-JP" altLang="en-US" sz="1000" dirty="0">
-                <a:solidFill>
-                  <a:schemeClr val="tx1"/>
-                </a:solidFill>
-              </a:rPr>
-              <a:t>変更タグ詳細確認画面</a:t>
-            </a:r>
-            <a:endParaRPr lang="en-US" altLang="ja-JP" sz="1000" dirty="0">
+              <a:rPr kumimoji="1" lang="ja-JP" altLang="en-US" sz="1200" dirty="0">
+                <a:solidFill>
+                  <a:schemeClr val="tx1"/>
+                </a:solidFill>
+              </a:rPr>
+              <a:t>最近気になった仕事一覧</a:t>
+            </a:r>
+            <a:endParaRPr kumimoji="1" lang="en-US" altLang="ja-JP" sz="1200" dirty="0">
               <a:solidFill>
                 <a:schemeClr val="tx1"/>
               </a:solidFill>
@@ -3937,14 +3771,22 @@
           <a:p>
             <a:pPr algn="ctr"/>
             <a:r>
-              <a:rPr lang="en-US" altLang="ja-JP" sz="1000" dirty="0" err="1">
-                <a:solidFill>
-                  <a:schemeClr val="tx1"/>
-                </a:solidFill>
-              </a:rPr>
-              <a:t>tagKakunin.php</a:t>
-            </a:r>
-            <a:endParaRPr kumimoji="1" lang="ja-JP" altLang="en-US" sz="1000" dirty="0">
+              <a:rPr lang="en-US" altLang="ja-JP" sz="1200" dirty="0" err="1">
+                <a:solidFill>
+                  <a:schemeClr val="tx1"/>
+                </a:solidFill>
+              </a:rPr>
+              <a:t>r</a:t>
+            </a:r>
+            <a:r>
+              <a:rPr kumimoji="1" lang="en-US" altLang="ja-JP" sz="1200">
+                <a:solidFill>
+                  <a:schemeClr val="tx1"/>
+                </a:solidFill>
+              </a:rPr>
+              <a:t>ecently.php</a:t>
+            </a:r>
+            <a:endParaRPr kumimoji="1" lang="ja-JP" altLang="en-US" sz="1200" dirty="0">
               <a:solidFill>
                 <a:schemeClr val="tx1"/>
               </a:solidFill>
@@ -3954,14 +3796,14 @@
       </p:sp>
       <p:sp>
         <p:nvSpPr>
-          <p:cNvPr id="33" name="正方形/長方形 32"/>
+          <p:cNvPr id="11" name="正方形/長方形 10"/>
           <p:cNvSpPr/>
           <p:nvPr/>
         </p:nvSpPr>
         <p:spPr>
           <a:xfrm>
-            <a:off x="756082" y="3201908"/>
-            <a:ext cx="1482571" cy="328474"/>
+            <a:off x="6026225" y="1566925"/>
+            <a:ext cx="1908909" cy="649740"/>
           </a:xfrm>
           <a:prstGeom prst="rect">
             <a:avLst/>
@@ -3971,9 +3813,7 @@
           </a:solidFill>
           <a:ln>
             <a:solidFill>
-              <a:schemeClr val="accent1">
-                <a:lumMod val="50000"/>
-              </a:schemeClr>
+              <a:schemeClr val="tx1"/>
             </a:solidFill>
           </a:ln>
         </p:spPr>
@@ -3999,14 +3839,14 @@
           <a:p>
             <a:pPr algn="ctr"/>
             <a:r>
-              <a:rPr lang="ja-JP" altLang="en-US" sz="1000" dirty="0">
-                <a:solidFill>
-                  <a:schemeClr val="tx1"/>
-                </a:solidFill>
-              </a:rPr>
-              <a:t>タグ変更情報入力画面</a:t>
-            </a:r>
-            <a:endParaRPr lang="en-US" altLang="ja-JP" sz="1000" dirty="0">
+              <a:rPr kumimoji="1" lang="ja-JP" altLang="en-US" sz="1200" dirty="0">
+                <a:solidFill>
+                  <a:schemeClr val="tx1"/>
+                </a:solidFill>
+              </a:rPr>
+              <a:t>気になるランキング一覧</a:t>
+            </a:r>
+            <a:endParaRPr kumimoji="1" lang="en-US" altLang="ja-JP" sz="1200" dirty="0">
               <a:solidFill>
                 <a:schemeClr val="tx1"/>
               </a:solidFill>
@@ -4015,14 +3855,22 @@
           <a:p>
             <a:pPr algn="ctr"/>
             <a:r>
-              <a:rPr lang="en-US" altLang="ja-JP" sz="1000" dirty="0" err="1">
-                <a:solidFill>
-                  <a:schemeClr val="tx1"/>
-                </a:solidFill>
-              </a:rPr>
-              <a:t>tagKanri.php</a:t>
-            </a:r>
-            <a:endParaRPr kumimoji="1" lang="ja-JP" altLang="en-US" sz="1000" dirty="0">
+              <a:rPr lang="en-US" altLang="ja-JP" sz="1200" dirty="0" err="1">
+                <a:solidFill>
+                  <a:schemeClr val="tx1"/>
+                </a:solidFill>
+              </a:rPr>
+              <a:t>r</a:t>
+            </a:r>
+            <a:r>
+              <a:rPr kumimoji="1" lang="en-US" altLang="ja-JP" sz="1200" dirty="0" err="1">
+                <a:solidFill>
+                  <a:schemeClr val="tx1"/>
+                </a:solidFill>
+              </a:rPr>
+              <a:t>anking.php</a:t>
+            </a:r>
+            <a:endParaRPr kumimoji="1" lang="ja-JP" altLang="en-US" sz="1200" dirty="0">
               <a:solidFill>
                 <a:schemeClr val="tx1"/>
               </a:solidFill>
@@ -4032,14 +3880,14 @@
       </p:sp>
       <p:sp>
         <p:nvSpPr>
-          <p:cNvPr id="34" name="正方形/長方形 33"/>
+          <p:cNvPr id="12" name="正方形/長方形 11"/>
           <p:cNvSpPr/>
           <p:nvPr/>
         </p:nvSpPr>
         <p:spPr>
           <a:xfrm>
-            <a:off x="2556769" y="2676630"/>
-            <a:ext cx="1748902" cy="328474"/>
+            <a:off x="184719" y="2770022"/>
+            <a:ext cx="1967450" cy="649740"/>
           </a:xfrm>
           <a:prstGeom prst="rect">
             <a:avLst/>
@@ -4049,9 +3897,7 @@
           </a:solidFill>
           <a:ln>
             <a:solidFill>
-              <a:schemeClr val="accent1">
-                <a:lumMod val="50000"/>
-              </a:schemeClr>
+              <a:schemeClr val="tx1"/>
             </a:solidFill>
           </a:ln>
         </p:spPr>
@@ -4077,14 +3923,14 @@
           <a:p>
             <a:pPr algn="ctr"/>
             <a:r>
-              <a:rPr lang="ja-JP" altLang="en-US" sz="1000" dirty="0">
-                <a:solidFill>
-                  <a:schemeClr val="tx1"/>
-                </a:solidFill>
-              </a:rPr>
-              <a:t>新規タグ連係情報入力画面</a:t>
-            </a:r>
-            <a:endParaRPr lang="en-US" altLang="ja-JP" sz="1000" dirty="0">
+              <a:rPr lang="ja-JP" altLang="en-US" sz="1200" dirty="0">
+                <a:solidFill>
+                  <a:schemeClr val="tx1"/>
+                </a:solidFill>
+              </a:rPr>
+              <a:t>分野検索結果一覧</a:t>
+            </a:r>
+            <a:endParaRPr lang="en-US" altLang="ja-JP" sz="1200" dirty="0">
               <a:solidFill>
                 <a:schemeClr val="tx1"/>
               </a:solidFill>
@@ -4093,14 +3939,14 @@
           <a:p>
             <a:pPr algn="ctr"/>
             <a:r>
-              <a:rPr lang="en-US" altLang="ja-JP" sz="1000" dirty="0">
-                <a:solidFill>
-                  <a:schemeClr val="tx1"/>
-                </a:solidFill>
-              </a:rPr>
-              <a:t>tagMake2.php</a:t>
-            </a:r>
-            <a:endParaRPr kumimoji="1" lang="ja-JP" altLang="en-US" sz="1000" dirty="0">
+              <a:rPr lang="en-US" altLang="ja-JP" sz="1200" dirty="0" err="1">
+                <a:solidFill>
+                  <a:schemeClr val="tx1"/>
+                </a:solidFill>
+              </a:rPr>
+              <a:t>subjectImageSearch.php</a:t>
+            </a:r>
+            <a:endParaRPr kumimoji="1" lang="ja-JP" altLang="en-US" sz="1200" dirty="0">
               <a:solidFill>
                 <a:schemeClr val="tx1"/>
               </a:solidFill>
@@ -4108,148 +3954,16 @@
           </a:p>
         </p:txBody>
       </p:sp>
-      <p:cxnSp>
-        <p:nvCxnSpPr>
-          <p:cNvPr id="36" name="直線コネクタ 35"/>
-          <p:cNvCxnSpPr>
-            <a:stCxn id="24" idx="2"/>
-            <a:endCxn id="24" idx="2"/>
-          </p:cNvCxnSpPr>
-          <p:nvPr/>
-        </p:nvCxnSpPr>
+      <p:sp>
+        <p:nvSpPr>
+          <p:cNvPr id="13" name="正方形/長方形 12"/>
+          <p:cNvSpPr/>
+          <p:nvPr/>
+        </p:nvSpPr>
         <p:spPr>
           <a:xfrm>
-            <a:off x="1497369" y="2479842"/>
-            <a:ext cx="0" cy="0"/>
-          </a:xfrm>
-          <a:prstGeom prst="line">
-            <a:avLst/>
-          </a:prstGeom>
-        </p:spPr>
-        <p:style>
-          <a:lnRef idx="1">
-            <a:schemeClr val="accent1"/>
-          </a:lnRef>
-          <a:fillRef idx="0">
-            <a:schemeClr val="accent1"/>
-          </a:fillRef>
-          <a:effectRef idx="0">
-            <a:schemeClr val="accent1"/>
-          </a:effectRef>
-          <a:fontRef idx="minor">
-            <a:schemeClr val="tx1"/>
-          </a:fontRef>
-        </p:style>
-      </p:cxnSp>
-      <p:cxnSp>
-        <p:nvCxnSpPr>
-          <p:cNvPr id="38" name="直線コネクタ 37"/>
-          <p:cNvCxnSpPr>
-            <a:stCxn id="24" idx="2"/>
-            <a:endCxn id="31" idx="0"/>
-          </p:cNvCxnSpPr>
-          <p:nvPr/>
-        </p:nvCxnSpPr>
-        <p:spPr>
-          <a:xfrm flipH="1">
-            <a:off x="1497368" y="2479842"/>
-            <a:ext cx="1" cy="196788"/>
-          </a:xfrm>
-          <a:prstGeom prst="line">
-            <a:avLst/>
-          </a:prstGeom>
-        </p:spPr>
-        <p:style>
-          <a:lnRef idx="1">
-            <a:schemeClr val="accent1"/>
-          </a:lnRef>
-          <a:fillRef idx="0">
-            <a:schemeClr val="accent1"/>
-          </a:fillRef>
-          <a:effectRef idx="0">
-            <a:schemeClr val="accent1"/>
-          </a:effectRef>
-          <a:fontRef idx="minor">
-            <a:schemeClr val="tx1"/>
-          </a:fontRef>
-        </p:style>
-      </p:cxnSp>
-      <p:cxnSp>
-        <p:nvCxnSpPr>
-          <p:cNvPr id="41" name="直線コネクタ 40"/>
-          <p:cNvCxnSpPr>
-            <a:stCxn id="31" idx="2"/>
-            <a:endCxn id="33" idx="0"/>
-          </p:cNvCxnSpPr>
-          <p:nvPr/>
-        </p:nvCxnSpPr>
-        <p:spPr>
-          <a:xfrm>
-            <a:off x="1497368" y="3005104"/>
-            <a:ext cx="0" cy="196804"/>
-          </a:xfrm>
-          <a:prstGeom prst="line">
-            <a:avLst/>
-          </a:prstGeom>
-        </p:spPr>
-        <p:style>
-          <a:lnRef idx="1">
-            <a:schemeClr val="accent1"/>
-          </a:lnRef>
-          <a:fillRef idx="0">
-            <a:schemeClr val="accent1"/>
-          </a:fillRef>
-          <a:effectRef idx="0">
-            <a:schemeClr val="accent1"/>
-          </a:effectRef>
-          <a:fontRef idx="minor">
-            <a:schemeClr val="tx1"/>
-          </a:fontRef>
-        </p:style>
-      </p:cxnSp>
-      <p:cxnSp>
-        <p:nvCxnSpPr>
-          <p:cNvPr id="44" name="直線コネクタ 43"/>
-          <p:cNvCxnSpPr>
-            <a:stCxn id="23" idx="2"/>
-            <a:endCxn id="34" idx="0"/>
-          </p:cNvCxnSpPr>
-          <p:nvPr/>
-        </p:nvCxnSpPr>
-        <p:spPr>
-          <a:xfrm flipH="1">
-            <a:off x="3431220" y="2479842"/>
-            <a:ext cx="1" cy="196788"/>
-          </a:xfrm>
-          <a:prstGeom prst="line">
-            <a:avLst/>
-          </a:prstGeom>
-        </p:spPr>
-        <p:style>
-          <a:lnRef idx="1">
-            <a:schemeClr val="accent1"/>
-          </a:lnRef>
-          <a:fillRef idx="0">
-            <a:schemeClr val="accent1"/>
-          </a:fillRef>
-          <a:effectRef idx="0">
-            <a:schemeClr val="accent1"/>
-          </a:effectRef>
-          <a:fontRef idx="minor">
-            <a:schemeClr val="tx1"/>
-          </a:fontRef>
-        </p:style>
-      </p:cxnSp>
-      <p:sp>
-        <p:nvSpPr>
-          <p:cNvPr id="54" name="正方形/長方形 53"/>
-          <p:cNvSpPr/>
-          <p:nvPr/>
-        </p:nvSpPr>
-        <p:spPr>
-          <a:xfrm>
-            <a:off x="4753993" y="2151368"/>
-            <a:ext cx="1482571" cy="328474"/>
+            <a:off x="4304999" y="2770022"/>
+            <a:ext cx="1630238" cy="649740"/>
           </a:xfrm>
           <a:prstGeom prst="rect">
             <a:avLst/>
@@ -4259,9 +3973,7 @@
           </a:solidFill>
           <a:ln>
             <a:solidFill>
-              <a:schemeClr val="accent1">
-                <a:lumMod val="50000"/>
-              </a:schemeClr>
+              <a:schemeClr val="tx1"/>
             </a:solidFill>
           </a:ln>
         </p:spPr>
@@ -4287,14 +3999,22 @@
           <a:p>
             <a:pPr algn="ctr"/>
             <a:r>
-              <a:rPr lang="ja-JP" altLang="en-US" sz="1000" dirty="0">
-                <a:solidFill>
-                  <a:schemeClr val="tx1"/>
-                </a:solidFill>
-              </a:rPr>
-              <a:t>新規学校情報入力画面</a:t>
-            </a:r>
-            <a:endParaRPr lang="en-US" altLang="ja-JP" sz="1000" dirty="0">
+              <a:rPr lang="en-US" altLang="ja-JP" sz="1200" dirty="0">
+                <a:solidFill>
+                  <a:schemeClr val="tx1"/>
+                </a:solidFill>
+              </a:rPr>
+              <a:t>50</a:t>
+            </a:r>
+            <a:r>
+              <a:rPr lang="ja-JP" altLang="en-US" sz="1200" dirty="0">
+                <a:solidFill>
+                  <a:schemeClr val="tx1"/>
+                </a:solidFill>
+              </a:rPr>
+              <a:t>音検索結果一覧</a:t>
+            </a:r>
+            <a:endParaRPr lang="en-US" altLang="ja-JP" sz="1200" dirty="0">
               <a:solidFill>
                 <a:schemeClr val="tx1"/>
               </a:solidFill>
@@ -4303,14 +4023,14 @@
           <a:p>
             <a:pPr algn="ctr"/>
             <a:r>
-              <a:rPr lang="en-US" altLang="ja-JP" sz="1000" dirty="0" err="1">
-                <a:solidFill>
-                  <a:schemeClr val="tx1"/>
-                </a:solidFill>
-              </a:rPr>
-              <a:t>schoolMake.php</a:t>
-            </a:r>
-            <a:endParaRPr kumimoji="1" lang="ja-JP" altLang="en-US" sz="1000" dirty="0">
+              <a:rPr lang="en-US" altLang="ja-JP" sz="1200" dirty="0" err="1">
+                <a:solidFill>
+                  <a:schemeClr val="tx1"/>
+                </a:solidFill>
+              </a:rPr>
+              <a:t>gojuSearch.php</a:t>
+            </a:r>
+            <a:endParaRPr kumimoji="1" lang="ja-JP" altLang="en-US" sz="1200" dirty="0">
               <a:solidFill>
                 <a:schemeClr val="tx1"/>
               </a:solidFill>
@@ -4320,14 +4040,14 @@
       </p:sp>
       <p:sp>
         <p:nvSpPr>
-          <p:cNvPr id="55" name="正方形/長方形 54"/>
+          <p:cNvPr id="14" name="正方形/長方形 13"/>
           <p:cNvSpPr/>
           <p:nvPr/>
         </p:nvSpPr>
         <p:spPr>
           <a:xfrm>
-            <a:off x="8281383" y="2151368"/>
-            <a:ext cx="1482571" cy="328474"/>
+            <a:off x="10014828" y="1566925"/>
+            <a:ext cx="2041607" cy="649740"/>
           </a:xfrm>
           <a:prstGeom prst="rect">
             <a:avLst/>
@@ -4337,9 +4057,7 @@
           </a:solidFill>
           <a:ln>
             <a:solidFill>
-              <a:schemeClr val="accent1">
-                <a:lumMod val="50000"/>
-              </a:schemeClr>
+              <a:schemeClr val="tx1"/>
             </a:solidFill>
           </a:ln>
         </p:spPr>
@@ -4365,14 +4083,14 @@
           <a:p>
             <a:pPr algn="ctr"/>
             <a:r>
-              <a:rPr lang="ja-JP" altLang="en-US" sz="1000" dirty="0">
-                <a:solidFill>
-                  <a:schemeClr val="tx1"/>
-                </a:solidFill>
-              </a:rPr>
-              <a:t>新規学科情報入力画面</a:t>
-            </a:r>
-            <a:endParaRPr lang="en-US" altLang="ja-JP" sz="1000" dirty="0">
+              <a:rPr lang="ja-JP" altLang="en-US" sz="1200" dirty="0">
+                <a:solidFill>
+                  <a:schemeClr val="tx1"/>
+                </a:solidFill>
+              </a:rPr>
+              <a:t>フリーワード検索結果一覧</a:t>
+            </a:r>
+            <a:endParaRPr lang="en-US" altLang="ja-JP" sz="1200" dirty="0">
               <a:solidFill>
                 <a:schemeClr val="tx1"/>
               </a:solidFill>
@@ -4381,14 +4099,14 @@
           <a:p>
             <a:pPr algn="ctr"/>
             <a:r>
-              <a:rPr lang="en-US" altLang="ja-JP" sz="1000" dirty="0" err="1">
-                <a:solidFill>
-                  <a:schemeClr val="tx1"/>
-                </a:solidFill>
-              </a:rPr>
-              <a:t>departmentMake.php</a:t>
-            </a:r>
-            <a:endParaRPr kumimoji="1" lang="ja-JP" altLang="en-US" sz="1000" dirty="0">
+              <a:rPr lang="en-US" altLang="ja-JP" sz="1200" dirty="0" err="1">
+                <a:solidFill>
+                  <a:schemeClr val="tx1"/>
+                </a:solidFill>
+              </a:rPr>
+              <a:t>freewordSearch.php</a:t>
+            </a:r>
+            <a:endParaRPr kumimoji="1" lang="ja-JP" altLang="en-US" sz="1200" dirty="0">
               <a:solidFill>
                 <a:schemeClr val="tx1"/>
               </a:solidFill>
@@ -4396,490 +4114,27 @@
           </a:p>
         </p:txBody>
       </p:sp>
-      <p:sp>
-        <p:nvSpPr>
-          <p:cNvPr id="63" name="正方形/長方形 62"/>
-          <p:cNvSpPr/>
-          <p:nvPr/>
-        </p:nvSpPr>
-        <p:spPr>
-          <a:xfrm>
-            <a:off x="6437419" y="2151368"/>
-            <a:ext cx="1643109" cy="328474"/>
-          </a:xfrm>
-          <a:prstGeom prst="rect">
-            <a:avLst/>
-          </a:prstGeom>
-          <a:solidFill>
-            <a:schemeClr val="bg1"/>
-          </a:solidFill>
+      <p:cxnSp>
+        <p:nvCxnSpPr>
+          <p:cNvPr id="15" name="直線コネクタ 14"/>
+          <p:cNvCxnSpPr>
+            <a:stCxn id="14" idx="0"/>
+          </p:cNvCxnSpPr>
+          <p:nvPr/>
+        </p:nvCxnSpPr>
+        <p:spPr>
+          <a:xfrm flipH="1" flipV="1">
+            <a:off x="11035631" y="1271532"/>
+            <a:ext cx="1" cy="295393"/>
+          </a:xfrm>
+          <a:prstGeom prst="line">
+            <a:avLst/>
+          </a:prstGeom>
           <a:ln>
             <a:solidFill>
-              <a:schemeClr val="accent1">
-                <a:lumMod val="50000"/>
-              </a:schemeClr>
+              <a:schemeClr val="tx1"/>
             </a:solidFill>
           </a:ln>
-        </p:spPr>
-        <p:style>
-          <a:lnRef idx="2">
-            <a:schemeClr val="accent1">
-              <a:shade val="50000"/>
-            </a:schemeClr>
-          </a:lnRef>
-          <a:fillRef idx="1">
-            <a:schemeClr val="accent1"/>
-          </a:fillRef>
-          <a:effectRef idx="0">
-            <a:schemeClr val="accent1"/>
-          </a:effectRef>
-          <a:fontRef idx="minor">
-            <a:schemeClr val="lt1"/>
-          </a:fontRef>
-        </p:style>
-        <p:txBody>
-          <a:bodyPr rtlCol="0" anchor="ctr"/>
-          <a:lstStyle/>
-          <a:p>
-            <a:pPr algn="ctr"/>
-            <a:r>
-              <a:rPr lang="ja-JP" altLang="en-US" sz="1000" dirty="0">
-                <a:solidFill>
-                  <a:schemeClr val="tx1"/>
-                </a:solidFill>
-              </a:rPr>
-              <a:t>変更学校情報選択画面</a:t>
-            </a:r>
-            <a:endParaRPr lang="en-US" altLang="ja-JP" sz="1000" dirty="0">
-              <a:solidFill>
-                <a:schemeClr val="tx1"/>
-              </a:solidFill>
-            </a:endParaRPr>
-          </a:p>
-          <a:p>
-            <a:pPr algn="ctr"/>
-            <a:r>
-              <a:rPr lang="en-US" altLang="ja-JP" sz="1000" dirty="0" err="1">
-                <a:solidFill>
-                  <a:schemeClr val="tx1"/>
-                </a:solidFill>
-              </a:rPr>
-              <a:t>schoolChangeSelect.php</a:t>
-            </a:r>
-            <a:endParaRPr kumimoji="1" lang="ja-JP" altLang="en-US" sz="1000" dirty="0">
-              <a:solidFill>
-                <a:schemeClr val="tx1"/>
-              </a:solidFill>
-            </a:endParaRPr>
-          </a:p>
-        </p:txBody>
-      </p:sp>
-      <p:sp>
-        <p:nvSpPr>
-          <p:cNvPr id="64" name="正方形/長方形 63"/>
-          <p:cNvSpPr/>
-          <p:nvPr/>
-        </p:nvSpPr>
-        <p:spPr>
-          <a:xfrm>
-            <a:off x="9961855" y="2151368"/>
-            <a:ext cx="1937182" cy="364000"/>
-          </a:xfrm>
-          <a:prstGeom prst="rect">
-            <a:avLst/>
-          </a:prstGeom>
-          <a:solidFill>
-            <a:schemeClr val="bg1"/>
-          </a:solidFill>
-          <a:ln>
-            <a:solidFill>
-              <a:schemeClr val="accent1">
-                <a:lumMod val="50000"/>
-              </a:schemeClr>
-            </a:solidFill>
-          </a:ln>
-        </p:spPr>
-        <p:style>
-          <a:lnRef idx="2">
-            <a:schemeClr val="accent1">
-              <a:shade val="50000"/>
-            </a:schemeClr>
-          </a:lnRef>
-          <a:fillRef idx="1">
-            <a:schemeClr val="accent1"/>
-          </a:fillRef>
-          <a:effectRef idx="0">
-            <a:schemeClr val="accent1"/>
-          </a:effectRef>
-          <a:fontRef idx="minor">
-            <a:schemeClr val="lt1"/>
-          </a:fontRef>
-        </p:style>
-        <p:txBody>
-          <a:bodyPr rtlCol="0" anchor="ctr"/>
-          <a:lstStyle/>
-          <a:p>
-            <a:pPr algn="ctr"/>
-            <a:r>
-              <a:rPr lang="ja-JP" altLang="en-US" sz="1000" dirty="0">
-                <a:solidFill>
-                  <a:schemeClr val="tx1"/>
-                </a:solidFill>
-              </a:rPr>
-              <a:t>変更学科情報選択画面</a:t>
-            </a:r>
-            <a:endParaRPr lang="en-US" altLang="ja-JP" sz="1000" dirty="0">
-              <a:solidFill>
-                <a:schemeClr val="tx1"/>
-              </a:solidFill>
-            </a:endParaRPr>
-          </a:p>
-          <a:p>
-            <a:pPr algn="ctr"/>
-            <a:r>
-              <a:rPr lang="en-US" altLang="ja-JP" sz="1000" dirty="0" err="1">
-                <a:solidFill>
-                  <a:schemeClr val="tx1"/>
-                </a:solidFill>
-              </a:rPr>
-              <a:t>departmentChangeSelect.php</a:t>
-            </a:r>
-            <a:endParaRPr kumimoji="1" lang="ja-JP" altLang="en-US" sz="1000" dirty="0">
-              <a:solidFill>
-                <a:schemeClr val="tx1"/>
-              </a:solidFill>
-            </a:endParaRPr>
-          </a:p>
-        </p:txBody>
-      </p:sp>
-      <p:sp>
-        <p:nvSpPr>
-          <p:cNvPr id="25" name="正方形/長方形 24"/>
-          <p:cNvSpPr/>
-          <p:nvPr/>
-        </p:nvSpPr>
-        <p:spPr>
-          <a:xfrm>
-            <a:off x="6336991" y="2698808"/>
-            <a:ext cx="1843964" cy="328474"/>
-          </a:xfrm>
-          <a:prstGeom prst="rect">
-            <a:avLst/>
-          </a:prstGeom>
-          <a:solidFill>
-            <a:schemeClr val="bg1"/>
-          </a:solidFill>
-          <a:ln>
-            <a:solidFill>
-              <a:schemeClr val="accent1">
-                <a:lumMod val="50000"/>
-              </a:schemeClr>
-            </a:solidFill>
-          </a:ln>
-        </p:spPr>
-        <p:style>
-          <a:lnRef idx="2">
-            <a:schemeClr val="accent1">
-              <a:shade val="50000"/>
-            </a:schemeClr>
-          </a:lnRef>
-          <a:fillRef idx="1">
-            <a:schemeClr val="accent1"/>
-          </a:fillRef>
-          <a:effectRef idx="0">
-            <a:schemeClr val="accent1"/>
-          </a:effectRef>
-          <a:fontRef idx="minor">
-            <a:schemeClr val="lt1"/>
-          </a:fontRef>
-        </p:style>
-        <p:txBody>
-          <a:bodyPr rtlCol="0" anchor="ctr"/>
-          <a:lstStyle/>
-          <a:p>
-            <a:pPr algn="ctr"/>
-            <a:r>
-              <a:rPr lang="ja-JP" altLang="en-US" sz="1000" dirty="0">
-                <a:solidFill>
-                  <a:schemeClr val="tx1"/>
-                </a:solidFill>
-              </a:rPr>
-              <a:t>変更学校情報確認画面</a:t>
-            </a:r>
-            <a:endParaRPr lang="en-US" altLang="ja-JP" sz="1000" dirty="0">
-              <a:solidFill>
-                <a:schemeClr val="tx1"/>
-              </a:solidFill>
-            </a:endParaRPr>
-          </a:p>
-          <a:p>
-            <a:pPr algn="ctr"/>
-            <a:r>
-              <a:rPr lang="en-US" altLang="ja-JP" sz="1000" dirty="0" err="1">
-                <a:solidFill>
-                  <a:schemeClr val="tx1"/>
-                </a:solidFill>
-              </a:rPr>
-              <a:t>schoolChangeKakunin.php</a:t>
-            </a:r>
-            <a:endParaRPr kumimoji="1" lang="ja-JP" altLang="en-US" sz="1000" dirty="0">
-              <a:solidFill>
-                <a:schemeClr val="tx1"/>
-              </a:solidFill>
-            </a:endParaRPr>
-          </a:p>
-        </p:txBody>
-      </p:sp>
-      <p:sp>
-        <p:nvSpPr>
-          <p:cNvPr id="27" name="正方形/長方形 26"/>
-          <p:cNvSpPr/>
-          <p:nvPr/>
-        </p:nvSpPr>
-        <p:spPr>
-          <a:xfrm>
-            <a:off x="6336991" y="3272856"/>
-            <a:ext cx="1843964" cy="328474"/>
-          </a:xfrm>
-          <a:prstGeom prst="rect">
-            <a:avLst/>
-          </a:prstGeom>
-          <a:solidFill>
-            <a:schemeClr val="bg1"/>
-          </a:solidFill>
-          <a:ln>
-            <a:solidFill>
-              <a:schemeClr val="accent1">
-                <a:lumMod val="50000"/>
-              </a:schemeClr>
-            </a:solidFill>
-          </a:ln>
-        </p:spPr>
-        <p:style>
-          <a:lnRef idx="2">
-            <a:schemeClr val="accent1">
-              <a:shade val="50000"/>
-            </a:schemeClr>
-          </a:lnRef>
-          <a:fillRef idx="1">
-            <a:schemeClr val="accent1"/>
-          </a:fillRef>
-          <a:effectRef idx="0">
-            <a:schemeClr val="accent1"/>
-          </a:effectRef>
-          <a:fontRef idx="minor">
-            <a:schemeClr val="lt1"/>
-          </a:fontRef>
-        </p:style>
-        <p:txBody>
-          <a:bodyPr rtlCol="0" anchor="ctr"/>
-          <a:lstStyle/>
-          <a:p>
-            <a:pPr algn="ctr"/>
-            <a:r>
-              <a:rPr lang="ja-JP" altLang="en-US" sz="1000" dirty="0">
-                <a:solidFill>
-                  <a:schemeClr val="tx1"/>
-                </a:solidFill>
-              </a:rPr>
-              <a:t>変更学校情報入力画面</a:t>
-            </a:r>
-            <a:endParaRPr lang="en-US" altLang="ja-JP" sz="1000" dirty="0">
-              <a:solidFill>
-                <a:schemeClr val="tx1"/>
-              </a:solidFill>
-            </a:endParaRPr>
-          </a:p>
-          <a:p>
-            <a:pPr algn="ctr"/>
-            <a:r>
-              <a:rPr lang="en-US" altLang="ja-JP" sz="1000" dirty="0" err="1">
-                <a:solidFill>
-                  <a:schemeClr val="tx1"/>
-                </a:solidFill>
-              </a:rPr>
-              <a:t>schoolChange.php</a:t>
-            </a:r>
-            <a:endParaRPr kumimoji="1" lang="ja-JP" altLang="en-US" sz="1000" dirty="0">
-              <a:solidFill>
-                <a:schemeClr val="tx1"/>
-              </a:solidFill>
-            </a:endParaRPr>
-          </a:p>
-        </p:txBody>
-      </p:sp>
-      <p:sp>
-        <p:nvSpPr>
-          <p:cNvPr id="28" name="正方形/長方形 27"/>
-          <p:cNvSpPr/>
-          <p:nvPr/>
-        </p:nvSpPr>
-        <p:spPr>
-          <a:xfrm>
-            <a:off x="9903595" y="2698808"/>
-            <a:ext cx="2053701" cy="364000"/>
-          </a:xfrm>
-          <a:prstGeom prst="rect">
-            <a:avLst/>
-          </a:prstGeom>
-          <a:solidFill>
-            <a:schemeClr val="bg1"/>
-          </a:solidFill>
-          <a:ln>
-            <a:solidFill>
-              <a:schemeClr val="accent1">
-                <a:lumMod val="50000"/>
-              </a:schemeClr>
-            </a:solidFill>
-          </a:ln>
-        </p:spPr>
-        <p:style>
-          <a:lnRef idx="2">
-            <a:schemeClr val="accent1">
-              <a:shade val="50000"/>
-            </a:schemeClr>
-          </a:lnRef>
-          <a:fillRef idx="1">
-            <a:schemeClr val="accent1"/>
-          </a:fillRef>
-          <a:effectRef idx="0">
-            <a:schemeClr val="accent1"/>
-          </a:effectRef>
-          <a:fontRef idx="minor">
-            <a:schemeClr val="lt1"/>
-          </a:fontRef>
-        </p:style>
-        <p:txBody>
-          <a:bodyPr rtlCol="0" anchor="ctr"/>
-          <a:lstStyle/>
-          <a:p>
-            <a:pPr algn="ctr"/>
-            <a:r>
-              <a:rPr lang="ja-JP" altLang="en-US" sz="1000" dirty="0">
-                <a:solidFill>
-                  <a:schemeClr val="tx1"/>
-                </a:solidFill>
-              </a:rPr>
-              <a:t>変更学科情報確認画面</a:t>
-            </a:r>
-            <a:endParaRPr lang="en-US" altLang="ja-JP" sz="1000" dirty="0">
-              <a:solidFill>
-                <a:schemeClr val="tx1"/>
-              </a:solidFill>
-            </a:endParaRPr>
-          </a:p>
-          <a:p>
-            <a:pPr algn="ctr"/>
-            <a:r>
-              <a:rPr lang="en-US" altLang="ja-JP" sz="1000" dirty="0" err="1">
-                <a:solidFill>
-                  <a:schemeClr val="tx1"/>
-                </a:solidFill>
-              </a:rPr>
-              <a:t>departmentChangeKakunin.php</a:t>
-            </a:r>
-            <a:endParaRPr kumimoji="1" lang="ja-JP" altLang="en-US" sz="1000" dirty="0">
-              <a:solidFill>
-                <a:schemeClr val="tx1"/>
-              </a:solidFill>
-            </a:endParaRPr>
-          </a:p>
-        </p:txBody>
-      </p:sp>
-      <p:sp>
-        <p:nvSpPr>
-          <p:cNvPr id="30" name="正方形/長方形 29"/>
-          <p:cNvSpPr/>
-          <p:nvPr/>
-        </p:nvSpPr>
-        <p:spPr>
-          <a:xfrm>
-            <a:off x="9903595" y="3237330"/>
-            <a:ext cx="2053701" cy="364000"/>
-          </a:xfrm>
-          <a:prstGeom prst="rect">
-            <a:avLst/>
-          </a:prstGeom>
-          <a:solidFill>
-            <a:schemeClr val="bg1"/>
-          </a:solidFill>
-          <a:ln>
-            <a:solidFill>
-              <a:schemeClr val="accent1">
-                <a:lumMod val="50000"/>
-              </a:schemeClr>
-            </a:solidFill>
-          </a:ln>
-        </p:spPr>
-        <p:style>
-          <a:lnRef idx="2">
-            <a:schemeClr val="accent1">
-              <a:shade val="50000"/>
-            </a:schemeClr>
-          </a:lnRef>
-          <a:fillRef idx="1">
-            <a:schemeClr val="accent1"/>
-          </a:fillRef>
-          <a:effectRef idx="0">
-            <a:schemeClr val="accent1"/>
-          </a:effectRef>
-          <a:fontRef idx="minor">
-            <a:schemeClr val="lt1"/>
-          </a:fontRef>
-        </p:style>
-        <p:txBody>
-          <a:bodyPr rtlCol="0" anchor="ctr"/>
-          <a:lstStyle/>
-          <a:p>
-            <a:pPr algn="ctr"/>
-            <a:r>
-              <a:rPr lang="ja-JP" altLang="en-US" sz="1000" dirty="0">
-                <a:solidFill>
-                  <a:schemeClr val="tx1"/>
-                </a:solidFill>
-              </a:rPr>
-              <a:t>変更学科情報入力画面</a:t>
-            </a:r>
-            <a:endParaRPr lang="en-US" altLang="ja-JP" sz="1000" dirty="0">
-              <a:solidFill>
-                <a:schemeClr val="tx1"/>
-              </a:solidFill>
-            </a:endParaRPr>
-          </a:p>
-          <a:p>
-            <a:pPr algn="ctr"/>
-            <a:r>
-              <a:rPr lang="en-US" altLang="ja-JP" sz="1000" dirty="0" err="1">
-                <a:solidFill>
-                  <a:schemeClr val="tx1"/>
-                </a:solidFill>
-              </a:rPr>
-              <a:t>departmentChange.php</a:t>
-            </a:r>
-            <a:endParaRPr kumimoji="1" lang="ja-JP" altLang="en-US" sz="1000" dirty="0">
-              <a:solidFill>
-                <a:schemeClr val="tx1"/>
-              </a:solidFill>
-            </a:endParaRPr>
-          </a:p>
-        </p:txBody>
-      </p:sp>
-      <p:cxnSp>
-        <p:nvCxnSpPr>
-          <p:cNvPr id="8" name="直線コネクタ 7"/>
-          <p:cNvCxnSpPr>
-            <a:stCxn id="5" idx="2"/>
-          </p:cNvCxnSpPr>
-          <p:nvPr/>
-        </p:nvCxnSpPr>
-        <p:spPr>
-          <a:xfrm>
-            <a:off x="5046957" y="1173334"/>
-            <a:ext cx="0" cy="199018"/>
-          </a:xfrm>
-          <a:prstGeom prst="line">
-            <a:avLst/>
-          </a:prstGeom>
         </p:spPr>
         <p:style>
           <a:lnRef idx="1">
@@ -4898,21 +4153,23 @@
       </p:cxnSp>
       <p:cxnSp>
         <p:nvCxnSpPr>
-          <p:cNvPr id="12" name="カギ線コネクタ 11"/>
-          <p:cNvCxnSpPr>
-            <a:stCxn id="19" idx="2"/>
-            <a:endCxn id="63" idx="0"/>
-          </p:cNvCxnSpPr>
+          <p:cNvPr id="16" name="直線コネクタ 15"/>
+          <p:cNvCxnSpPr/>
           <p:nvPr/>
         </p:nvCxnSpPr>
         <p:spPr>
-          <a:xfrm rot="5400000">
-            <a:off x="7692873" y="1267672"/>
-            <a:ext cx="449797" cy="1317594"/>
-          </a:xfrm>
-          <a:prstGeom prst="bentConnector3">
-            <a:avLst/>
-          </a:prstGeom>
+          <a:xfrm>
+            <a:off x="1168443" y="1271532"/>
+            <a:ext cx="9867188" cy="0"/>
+          </a:xfrm>
+          <a:prstGeom prst="line">
+            <a:avLst/>
+          </a:prstGeom>
+          <a:ln>
+            <a:solidFill>
+              <a:schemeClr val="tx1"/>
+            </a:solidFill>
+          </a:ln>
         </p:spPr>
         <p:style>
           <a:lnRef idx="1">
@@ -4931,21 +4188,25 @@
       </p:cxnSp>
       <p:cxnSp>
         <p:nvCxnSpPr>
-          <p:cNvPr id="20" name="カギ線コネクタ 19"/>
+          <p:cNvPr id="17" name="直線コネクタ 16"/>
           <p:cNvCxnSpPr>
-            <a:stCxn id="19" idx="2"/>
-            <a:endCxn id="55" idx="0"/>
+            <a:stCxn id="4" idx="2"/>
           </p:cNvCxnSpPr>
           <p:nvPr/>
         </p:nvCxnSpPr>
         <p:spPr>
-          <a:xfrm rot="16200000" flipH="1">
-            <a:off x="8574720" y="1703418"/>
-            <a:ext cx="449797" cy="446101"/>
-          </a:xfrm>
-          <a:prstGeom prst="bentConnector3">
-            <a:avLst/>
-          </a:prstGeom>
+          <a:xfrm>
+            <a:off x="5654939" y="998568"/>
+            <a:ext cx="0" cy="272964"/>
+          </a:xfrm>
+          <a:prstGeom prst="line">
+            <a:avLst/>
+          </a:prstGeom>
+          <a:ln>
+            <a:solidFill>
+              <a:schemeClr val="tx1"/>
+            </a:solidFill>
+          </a:ln>
         </p:spPr>
         <p:style>
           <a:lnRef idx="1">
@@ -4964,21 +4225,25 @@
       </p:cxnSp>
       <p:cxnSp>
         <p:nvCxnSpPr>
-          <p:cNvPr id="39" name="カギ線コネクタ 38"/>
+          <p:cNvPr id="18" name="直線コネクタ 17"/>
           <p:cNvCxnSpPr>
-            <a:stCxn id="19" idx="2"/>
-            <a:endCxn id="64" idx="0"/>
+            <a:stCxn id="7" idx="0"/>
           </p:cNvCxnSpPr>
           <p:nvPr/>
         </p:nvCxnSpPr>
         <p:spPr>
-          <a:xfrm rot="16200000" flipH="1">
-            <a:off x="9528609" y="749530"/>
-            <a:ext cx="449797" cy="2353878"/>
-          </a:xfrm>
-          <a:prstGeom prst="bentConnector3">
-            <a:avLst/>
-          </a:prstGeom>
+          <a:xfrm flipV="1">
+            <a:off x="5121516" y="1271532"/>
+            <a:ext cx="0" cy="295393"/>
+          </a:xfrm>
+          <a:prstGeom prst="line">
+            <a:avLst/>
+          </a:prstGeom>
+          <a:ln>
+            <a:solidFill>
+              <a:schemeClr val="tx1"/>
+            </a:solidFill>
+          </a:ln>
         </p:spPr>
         <p:style>
           <a:lnRef idx="1">
@@ -4997,21 +4262,25 @@
       </p:cxnSp>
       <p:cxnSp>
         <p:nvCxnSpPr>
-          <p:cNvPr id="43" name="カギ線コネクタ 42"/>
+          <p:cNvPr id="19" name="直線コネクタ 18"/>
           <p:cNvCxnSpPr>
-            <a:stCxn id="19" idx="2"/>
-            <a:endCxn id="54" idx="0"/>
+            <a:stCxn id="11" idx="0"/>
           </p:cNvCxnSpPr>
           <p:nvPr/>
         </p:nvCxnSpPr>
         <p:spPr>
-          <a:xfrm rot="5400000">
-            <a:off x="6811026" y="385825"/>
-            <a:ext cx="449797" cy="3081289"/>
-          </a:xfrm>
-          <a:prstGeom prst="bentConnector3">
-            <a:avLst/>
-          </a:prstGeom>
+          <a:xfrm flipH="1" flipV="1">
+            <a:off x="6980679" y="1271532"/>
+            <a:ext cx="1" cy="295393"/>
+          </a:xfrm>
+          <a:prstGeom prst="line">
+            <a:avLst/>
+          </a:prstGeom>
+          <a:ln>
+            <a:solidFill>
+              <a:schemeClr val="tx1"/>
+            </a:solidFill>
+          </a:ln>
         </p:spPr>
         <p:style>
           <a:lnRef idx="1">
@@ -5030,21 +4299,25 @@
       </p:cxnSp>
       <p:cxnSp>
         <p:nvCxnSpPr>
-          <p:cNvPr id="47" name="直線コネクタ 46"/>
+          <p:cNvPr id="20" name="直線コネクタ 19"/>
           <p:cNvCxnSpPr>
-            <a:stCxn id="63" idx="2"/>
-            <a:endCxn id="25" idx="0"/>
+            <a:stCxn id="10" idx="0"/>
           </p:cNvCxnSpPr>
           <p:nvPr/>
         </p:nvCxnSpPr>
         <p:spPr>
-          <a:xfrm flipH="1">
-            <a:off x="7258973" y="2479842"/>
-            <a:ext cx="1" cy="218966"/>
+          <a:xfrm flipV="1">
+            <a:off x="8974981" y="1271532"/>
+            <a:ext cx="0" cy="295393"/>
           </a:xfrm>
           <a:prstGeom prst="line">
             <a:avLst/>
           </a:prstGeom>
+          <a:ln>
+            <a:solidFill>
+              <a:schemeClr val="tx1"/>
+            </a:solidFill>
+          </a:ln>
         </p:spPr>
         <p:style>
           <a:lnRef idx="1">
@@ -5063,21 +4336,26 @@
       </p:cxnSp>
       <p:cxnSp>
         <p:nvCxnSpPr>
-          <p:cNvPr id="51" name="直線コネクタ 50"/>
+          <p:cNvPr id="21" name="直線コネクタ 20"/>
           <p:cNvCxnSpPr>
-            <a:stCxn id="25" idx="2"/>
-            <a:endCxn id="27" idx="0"/>
+            <a:stCxn id="5" idx="2"/>
+            <a:endCxn id="12" idx="0"/>
           </p:cNvCxnSpPr>
           <p:nvPr/>
         </p:nvCxnSpPr>
         <p:spPr>
-          <a:xfrm>
-            <a:off x="7258973" y="3027282"/>
-            <a:ext cx="0" cy="245574"/>
+          <a:xfrm flipH="1">
+            <a:off x="1168444" y="2216665"/>
+            <a:ext cx="5699" cy="553357"/>
           </a:xfrm>
           <a:prstGeom prst="line">
             <a:avLst/>
           </a:prstGeom>
+          <a:ln>
+            <a:solidFill>
+              <a:schemeClr val="tx1"/>
+            </a:solidFill>
+          </a:ln>
         </p:spPr>
         <p:style>
           <a:lnRef idx="1">
@@ -5096,21 +4374,26 @@
       </p:cxnSp>
       <p:cxnSp>
         <p:nvCxnSpPr>
-          <p:cNvPr id="58" name="直線コネクタ 57"/>
+          <p:cNvPr id="22" name="直線コネクタ 21"/>
           <p:cNvCxnSpPr>
-            <a:stCxn id="64" idx="2"/>
-            <a:endCxn id="28" idx="0"/>
+            <a:stCxn id="8" idx="2"/>
+            <a:endCxn id="6" idx="0"/>
           </p:cNvCxnSpPr>
           <p:nvPr/>
         </p:nvCxnSpPr>
         <p:spPr>
           <a:xfrm>
-            <a:off x="10930446" y="2515368"/>
-            <a:ext cx="0" cy="183440"/>
+            <a:off x="3215399" y="2216665"/>
+            <a:ext cx="0" cy="553357"/>
           </a:xfrm>
           <a:prstGeom prst="line">
             <a:avLst/>
           </a:prstGeom>
+          <a:ln>
+            <a:solidFill>
+              <a:schemeClr val="tx1"/>
+            </a:solidFill>
+          </a:ln>
         </p:spPr>
         <p:style>
           <a:lnRef idx="1">
@@ -5129,119 +4412,414 @@
       </p:cxnSp>
       <p:cxnSp>
         <p:nvCxnSpPr>
-          <p:cNvPr id="61" name="直線コネクタ 60"/>
+          <p:cNvPr id="23" name="直線コネクタ 22"/>
           <p:cNvCxnSpPr>
-            <a:stCxn id="28" idx="2"/>
-            <a:endCxn id="30" idx="0"/>
+            <a:stCxn id="5" idx="0"/>
           </p:cNvCxnSpPr>
           <p:nvPr/>
         </p:nvCxnSpPr>
         <p:spPr>
-          <a:xfrm>
-            <a:off x="10930446" y="3062808"/>
-            <a:ext cx="0" cy="174522"/>
+          <a:xfrm flipH="1" flipV="1">
+            <a:off x="1168443" y="1271532"/>
+            <a:ext cx="5700" cy="295393"/>
           </a:xfrm>
           <a:prstGeom prst="line">
             <a:avLst/>
           </a:prstGeom>
-        </p:spPr>
-        <p:style>
-          <a:lnRef idx="1">
-            <a:schemeClr val="accent1"/>
-          </a:lnRef>
-          <a:fillRef idx="0">
-            <a:schemeClr val="accent1"/>
-          </a:fillRef>
-          <a:effectRef idx="0">
-            <a:schemeClr val="accent1"/>
-          </a:effectRef>
-          <a:fontRef idx="minor">
-            <a:schemeClr val="tx1"/>
-          </a:fontRef>
-        </p:style>
-      </p:cxnSp>
-      <p:sp>
-        <p:nvSpPr>
-          <p:cNvPr id="73" name="正方形/長方形 72"/>
-          <p:cNvSpPr/>
-          <p:nvPr/>
-        </p:nvSpPr>
-        <p:spPr>
-          <a:xfrm>
-            <a:off x="4048218" y="1370130"/>
-            <a:ext cx="1997475" cy="328474"/>
-          </a:xfrm>
-          <a:prstGeom prst="rect">
-            <a:avLst/>
-          </a:prstGeom>
-          <a:solidFill>
-            <a:schemeClr val="bg1"/>
-          </a:solidFill>
           <a:ln>
             <a:solidFill>
-              <a:schemeClr val="accent1">
-                <a:lumMod val="50000"/>
-              </a:schemeClr>
+              <a:schemeClr val="tx1"/>
             </a:solidFill>
           </a:ln>
         </p:spPr>
         <p:style>
-          <a:lnRef idx="2">
-            <a:schemeClr val="accent1">
-              <a:shade val="50000"/>
-            </a:schemeClr>
-          </a:lnRef>
-          <a:fillRef idx="1">
-            <a:schemeClr val="accent1"/>
-          </a:fillRef>
-          <a:effectRef idx="0">
-            <a:schemeClr val="accent1"/>
-          </a:effectRef>
-          <a:fontRef idx="minor">
-            <a:schemeClr val="lt1"/>
-          </a:fontRef>
-        </p:style>
-        <p:txBody>
-          <a:bodyPr rtlCol="0" anchor="ctr"/>
-          <a:lstStyle/>
-          <a:p>
-            <a:pPr algn="ctr"/>
-            <a:r>
-              <a:rPr lang="ja-JP" altLang="en-US" sz="1000" dirty="0">
-                <a:solidFill>
-                  <a:schemeClr val="tx1"/>
-                </a:solidFill>
-              </a:rPr>
-              <a:t>職業関連情報管理トップ画面</a:t>
-            </a:r>
-            <a:endParaRPr lang="en-US" altLang="ja-JP" sz="1000" dirty="0">
-              <a:solidFill>
-                <a:schemeClr val="tx1"/>
-              </a:solidFill>
-            </a:endParaRPr>
-          </a:p>
-          <a:p>
-            <a:pPr algn="ctr"/>
-            <a:r>
-              <a:rPr lang="en-US" altLang="ja-JP" sz="1000" dirty="0" err="1">
-                <a:solidFill>
-                  <a:schemeClr val="tx1"/>
-                </a:solidFill>
-              </a:rPr>
-              <a:t>jobTop.php</a:t>
-            </a:r>
-            <a:endParaRPr kumimoji="1" lang="ja-JP" altLang="en-US" sz="1000" dirty="0">
-              <a:solidFill>
-                <a:schemeClr val="tx1"/>
-              </a:solidFill>
-            </a:endParaRPr>
-          </a:p>
-        </p:txBody>
-      </p:sp>
+          <a:lnRef idx="1">
+            <a:schemeClr val="accent1"/>
+          </a:lnRef>
+          <a:fillRef idx="0">
+            <a:schemeClr val="accent1"/>
+          </a:fillRef>
+          <a:effectRef idx="0">
+            <a:schemeClr val="accent1"/>
+          </a:effectRef>
+          <a:fontRef idx="minor">
+            <a:schemeClr val="tx1"/>
+          </a:fontRef>
+        </p:style>
+      </p:cxnSp>
+      <p:cxnSp>
+        <p:nvCxnSpPr>
+          <p:cNvPr id="24" name="直線コネクタ 23"/>
+          <p:cNvCxnSpPr>
+            <a:stCxn id="7" idx="2"/>
+            <a:endCxn id="13" idx="0"/>
+          </p:cNvCxnSpPr>
+          <p:nvPr/>
+        </p:nvCxnSpPr>
+        <p:spPr>
+          <a:xfrm flipH="1">
+            <a:off x="5120118" y="2216665"/>
+            <a:ext cx="1398" cy="553357"/>
+          </a:xfrm>
+          <a:prstGeom prst="line">
+            <a:avLst/>
+          </a:prstGeom>
+          <a:ln>
+            <a:solidFill>
+              <a:schemeClr val="tx1"/>
+            </a:solidFill>
+          </a:ln>
+        </p:spPr>
+        <p:style>
+          <a:lnRef idx="1">
+            <a:schemeClr val="accent1"/>
+          </a:lnRef>
+          <a:fillRef idx="0">
+            <a:schemeClr val="accent1"/>
+          </a:fillRef>
+          <a:effectRef idx="0">
+            <a:schemeClr val="accent1"/>
+          </a:effectRef>
+          <a:fontRef idx="minor">
+            <a:schemeClr val="tx1"/>
+          </a:fontRef>
+        </p:style>
+      </p:cxnSp>
+      <p:cxnSp>
+        <p:nvCxnSpPr>
+          <p:cNvPr id="25" name="直線コネクタ 24"/>
+          <p:cNvCxnSpPr>
+            <a:stCxn id="12" idx="2"/>
+          </p:cNvCxnSpPr>
+          <p:nvPr/>
+        </p:nvCxnSpPr>
+        <p:spPr>
+          <a:xfrm flipH="1">
+            <a:off x="1168443" y="3419762"/>
+            <a:ext cx="1" cy="426294"/>
+          </a:xfrm>
+          <a:prstGeom prst="line">
+            <a:avLst/>
+          </a:prstGeom>
+          <a:ln>
+            <a:solidFill>
+              <a:schemeClr val="tx1"/>
+            </a:solidFill>
+          </a:ln>
+        </p:spPr>
+        <p:style>
+          <a:lnRef idx="1">
+            <a:schemeClr val="accent1"/>
+          </a:lnRef>
+          <a:fillRef idx="0">
+            <a:schemeClr val="accent1"/>
+          </a:fillRef>
+          <a:effectRef idx="0">
+            <a:schemeClr val="accent1"/>
+          </a:effectRef>
+          <a:fontRef idx="minor">
+            <a:schemeClr val="tx1"/>
+          </a:fontRef>
+        </p:style>
+      </p:cxnSp>
+      <p:cxnSp>
+        <p:nvCxnSpPr>
+          <p:cNvPr id="26" name="直線コネクタ 25"/>
+          <p:cNvCxnSpPr/>
+          <p:nvPr/>
+        </p:nvCxnSpPr>
+        <p:spPr>
+          <a:xfrm>
+            <a:off x="1168443" y="3837179"/>
+            <a:ext cx="9867188" cy="8877"/>
+          </a:xfrm>
+          <a:prstGeom prst="line">
+            <a:avLst/>
+          </a:prstGeom>
+          <a:ln>
+            <a:solidFill>
+              <a:schemeClr val="tx1"/>
+            </a:solidFill>
+          </a:ln>
+        </p:spPr>
+        <p:style>
+          <a:lnRef idx="1">
+            <a:schemeClr val="accent1"/>
+          </a:lnRef>
+          <a:fillRef idx="0">
+            <a:schemeClr val="accent1"/>
+          </a:fillRef>
+          <a:effectRef idx="0">
+            <a:schemeClr val="accent1"/>
+          </a:effectRef>
+          <a:fontRef idx="minor">
+            <a:schemeClr val="tx1"/>
+          </a:fontRef>
+        </p:style>
+      </p:cxnSp>
+      <p:cxnSp>
+        <p:nvCxnSpPr>
+          <p:cNvPr id="27" name="直線コネクタ 26"/>
+          <p:cNvCxnSpPr>
+            <a:stCxn id="14" idx="2"/>
+          </p:cNvCxnSpPr>
+          <p:nvPr/>
+        </p:nvCxnSpPr>
+        <p:spPr>
+          <a:xfrm flipH="1">
+            <a:off x="11035631" y="2216665"/>
+            <a:ext cx="1" cy="1629391"/>
+          </a:xfrm>
+          <a:prstGeom prst="line">
+            <a:avLst/>
+          </a:prstGeom>
+          <a:ln>
+            <a:solidFill>
+              <a:schemeClr val="tx1"/>
+            </a:solidFill>
+          </a:ln>
+        </p:spPr>
+        <p:style>
+          <a:lnRef idx="1">
+            <a:schemeClr val="accent1"/>
+          </a:lnRef>
+          <a:fillRef idx="0">
+            <a:schemeClr val="accent1"/>
+          </a:fillRef>
+          <a:effectRef idx="0">
+            <a:schemeClr val="accent1"/>
+          </a:effectRef>
+          <a:fontRef idx="minor">
+            <a:schemeClr val="tx1"/>
+          </a:fontRef>
+        </p:style>
+      </p:cxnSp>
+      <p:cxnSp>
+        <p:nvCxnSpPr>
+          <p:cNvPr id="28" name="直線コネクタ 27"/>
+          <p:cNvCxnSpPr>
+            <a:stCxn id="6" idx="2"/>
+          </p:cNvCxnSpPr>
+          <p:nvPr/>
+        </p:nvCxnSpPr>
+        <p:spPr>
+          <a:xfrm>
+            <a:off x="3215399" y="3419762"/>
+            <a:ext cx="0" cy="426294"/>
+          </a:xfrm>
+          <a:prstGeom prst="line">
+            <a:avLst/>
+          </a:prstGeom>
+          <a:ln>
+            <a:solidFill>
+              <a:schemeClr val="tx1"/>
+            </a:solidFill>
+          </a:ln>
+        </p:spPr>
+        <p:style>
+          <a:lnRef idx="1">
+            <a:schemeClr val="accent1"/>
+          </a:lnRef>
+          <a:fillRef idx="0">
+            <a:schemeClr val="accent1"/>
+          </a:fillRef>
+          <a:effectRef idx="0">
+            <a:schemeClr val="accent1"/>
+          </a:effectRef>
+          <a:fontRef idx="minor">
+            <a:schemeClr val="tx1"/>
+          </a:fontRef>
+        </p:style>
+      </p:cxnSp>
+      <p:cxnSp>
+        <p:nvCxnSpPr>
+          <p:cNvPr id="29" name="直線コネクタ 28"/>
+          <p:cNvCxnSpPr>
+            <a:stCxn id="13" idx="2"/>
+          </p:cNvCxnSpPr>
+          <p:nvPr/>
+        </p:nvCxnSpPr>
+        <p:spPr>
+          <a:xfrm>
+            <a:off x="5120118" y="3419762"/>
+            <a:ext cx="0" cy="426294"/>
+          </a:xfrm>
+          <a:prstGeom prst="line">
+            <a:avLst/>
+          </a:prstGeom>
+          <a:ln>
+            <a:solidFill>
+              <a:schemeClr val="tx1"/>
+            </a:solidFill>
+          </a:ln>
+        </p:spPr>
+        <p:style>
+          <a:lnRef idx="1">
+            <a:schemeClr val="accent1"/>
+          </a:lnRef>
+          <a:fillRef idx="0">
+            <a:schemeClr val="accent1"/>
+          </a:fillRef>
+          <a:effectRef idx="0">
+            <a:schemeClr val="accent1"/>
+          </a:effectRef>
+          <a:fontRef idx="minor">
+            <a:schemeClr val="tx1"/>
+          </a:fontRef>
+        </p:style>
+      </p:cxnSp>
+      <p:cxnSp>
+        <p:nvCxnSpPr>
+          <p:cNvPr id="30" name="直線コネクタ 29"/>
+          <p:cNvCxnSpPr>
+            <a:stCxn id="11" idx="2"/>
+          </p:cNvCxnSpPr>
+          <p:nvPr/>
+        </p:nvCxnSpPr>
+        <p:spPr>
+          <a:xfrm flipH="1">
+            <a:off x="6975084" y="2216665"/>
+            <a:ext cx="5596" cy="1629391"/>
+          </a:xfrm>
+          <a:prstGeom prst="line">
+            <a:avLst/>
+          </a:prstGeom>
+          <a:ln>
+            <a:solidFill>
+              <a:schemeClr val="tx1"/>
+            </a:solidFill>
+          </a:ln>
+        </p:spPr>
+        <p:style>
+          <a:lnRef idx="1">
+            <a:schemeClr val="accent1"/>
+          </a:lnRef>
+          <a:fillRef idx="0">
+            <a:schemeClr val="accent1"/>
+          </a:fillRef>
+          <a:effectRef idx="0">
+            <a:schemeClr val="accent1"/>
+          </a:effectRef>
+          <a:fontRef idx="minor">
+            <a:schemeClr val="tx1"/>
+          </a:fontRef>
+        </p:style>
+      </p:cxnSp>
+      <p:cxnSp>
+        <p:nvCxnSpPr>
+          <p:cNvPr id="31" name="直線コネクタ 30"/>
+          <p:cNvCxnSpPr>
+            <a:stCxn id="10" idx="2"/>
+          </p:cNvCxnSpPr>
+          <p:nvPr/>
+        </p:nvCxnSpPr>
+        <p:spPr>
+          <a:xfrm flipH="1">
+            <a:off x="8955937" y="2216665"/>
+            <a:ext cx="19044" cy="1620514"/>
+          </a:xfrm>
+          <a:prstGeom prst="line">
+            <a:avLst/>
+          </a:prstGeom>
+          <a:ln>
+            <a:solidFill>
+              <a:schemeClr val="tx1"/>
+            </a:solidFill>
+          </a:ln>
+        </p:spPr>
+        <p:style>
+          <a:lnRef idx="1">
+            <a:schemeClr val="accent1"/>
+          </a:lnRef>
+          <a:fillRef idx="0">
+            <a:schemeClr val="accent1"/>
+          </a:fillRef>
+          <a:effectRef idx="0">
+            <a:schemeClr val="accent1"/>
+          </a:effectRef>
+          <a:fontRef idx="minor">
+            <a:schemeClr val="tx1"/>
+          </a:fontRef>
+        </p:style>
+      </p:cxnSp>
+      <p:cxnSp>
+        <p:nvCxnSpPr>
+          <p:cNvPr id="32" name="直線コネクタ 31"/>
+          <p:cNvCxnSpPr>
+            <a:stCxn id="9" idx="0"/>
+          </p:cNvCxnSpPr>
+          <p:nvPr/>
+        </p:nvCxnSpPr>
+        <p:spPr>
+          <a:xfrm flipH="1" flipV="1">
+            <a:off x="5654939" y="3846056"/>
+            <a:ext cx="1544" cy="747325"/>
+          </a:xfrm>
+          <a:prstGeom prst="line">
+            <a:avLst/>
+          </a:prstGeom>
+          <a:ln>
+            <a:solidFill>
+              <a:schemeClr val="tx1"/>
+            </a:solidFill>
+          </a:ln>
+        </p:spPr>
+        <p:style>
+          <a:lnRef idx="1">
+            <a:schemeClr val="accent1"/>
+          </a:lnRef>
+          <a:fillRef idx="0">
+            <a:schemeClr val="accent1"/>
+          </a:fillRef>
+          <a:effectRef idx="0">
+            <a:schemeClr val="accent1"/>
+          </a:effectRef>
+          <a:fontRef idx="minor">
+            <a:schemeClr val="tx1"/>
+          </a:fontRef>
+        </p:style>
+      </p:cxnSp>
+      <p:cxnSp>
+        <p:nvCxnSpPr>
+          <p:cNvPr id="33" name="直線コネクタ 32"/>
+          <p:cNvCxnSpPr>
+            <a:stCxn id="8" idx="0"/>
+          </p:cNvCxnSpPr>
+          <p:nvPr/>
+        </p:nvCxnSpPr>
+        <p:spPr>
+          <a:xfrm flipV="1">
+            <a:off x="3215399" y="1271532"/>
+            <a:ext cx="0" cy="295393"/>
+          </a:xfrm>
+          <a:prstGeom prst="line">
+            <a:avLst/>
+          </a:prstGeom>
+          <a:ln>
+            <a:solidFill>
+              <a:schemeClr val="tx1"/>
+            </a:solidFill>
+          </a:ln>
+        </p:spPr>
+        <p:style>
+          <a:lnRef idx="1">
+            <a:schemeClr val="accent1"/>
+          </a:lnRef>
+          <a:fillRef idx="0">
+            <a:schemeClr val="accent1"/>
+          </a:fillRef>
+          <a:effectRef idx="0">
+            <a:schemeClr val="accent1"/>
+          </a:effectRef>
+          <a:fontRef idx="minor">
+            <a:schemeClr val="tx1"/>
+          </a:fontRef>
+        </p:style>
+      </p:cxnSp>
     </p:spTree>
     <p:extLst>
       <p:ext uri="{BB962C8B-B14F-4D97-AF65-F5344CB8AC3E}">
-        <p14:creationId xmlns:p14="http://schemas.microsoft.com/office/powerpoint/2010/main" val="998411929"/>
+        <p14:creationId xmlns:p14="http://schemas.microsoft.com/office/powerpoint/2010/main" val="2671234340"/>
       </p:ext>
     </p:extLst>
   </p:cSld>
@@ -5270,7 +4848,7 @@
       </p:grpSpPr>
       <p:sp>
         <p:nvSpPr>
-          <p:cNvPr id="18" name="正方形/長方形 17"/>
+          <p:cNvPr id="4" name="正方形/長方形 3"/>
           <p:cNvSpPr/>
           <p:nvPr/>
         </p:nvSpPr>
@@ -5348,7 +4926,7 @@
       </p:sp>
       <p:sp>
         <p:nvSpPr>
-          <p:cNvPr id="19" name="正方形/長方形 18"/>
+          <p:cNvPr id="5" name="正方形/長方形 4"/>
           <p:cNvSpPr/>
           <p:nvPr/>
         </p:nvSpPr>
@@ -5426,10 +5004,10 @@
       </p:sp>
       <p:cxnSp>
         <p:nvCxnSpPr>
-          <p:cNvPr id="20" name="直線コネクタ 19"/>
+          <p:cNvPr id="15" name="直線コネクタ 14"/>
           <p:cNvCxnSpPr>
-            <a:stCxn id="18" idx="2"/>
-            <a:endCxn id="19" idx="0"/>
+            <a:stCxn id="4" idx="2"/>
+            <a:endCxn id="5" idx="0"/>
           </p:cNvCxnSpPr>
           <p:nvPr/>
         </p:nvCxnSpPr>
@@ -5459,14 +5037,14 @@
       </p:cxnSp>
       <p:sp>
         <p:nvSpPr>
-          <p:cNvPr id="21" name="正方形/長方形 20"/>
+          <p:cNvPr id="18" name="正方形/長方形 17"/>
           <p:cNvSpPr/>
           <p:nvPr/>
         </p:nvSpPr>
         <p:spPr>
           <a:xfrm>
-            <a:off x="4048218" y="1370130"/>
-            <a:ext cx="1997475" cy="328474"/>
+            <a:off x="1766657" y="1370130"/>
+            <a:ext cx="1482571" cy="328474"/>
           </a:xfrm>
           <a:prstGeom prst="rect">
             <a:avLst/>
@@ -5509,7 +5087,7 @@
                   <a:schemeClr val="tx1"/>
                 </a:solidFill>
               </a:rPr>
-              <a:t>職業関連情報管理トップ画面</a:t>
+              <a:t>タグ管理トップ画面</a:t>
             </a:r>
             <a:endParaRPr lang="en-US" altLang="ja-JP" sz="1000" dirty="0">
               <a:solidFill>
@@ -5525,7 +5103,7 @@
                   <a:schemeClr val="tx1"/>
                 </a:solidFill>
               </a:rPr>
-              <a:t>jobTop.php</a:t>
+              <a:t>tagTop.php</a:t>
             </a:r>
             <a:endParaRPr kumimoji="1" lang="ja-JP" altLang="en-US" sz="1000" dirty="0">
               <a:solidFill>
@@ -5537,14 +5115,14 @@
       </p:sp>
       <p:sp>
         <p:nvSpPr>
-          <p:cNvPr id="22" name="正方形/長方形 21"/>
+          <p:cNvPr id="19" name="正方形/長方形 18"/>
           <p:cNvSpPr/>
           <p:nvPr/>
         </p:nvSpPr>
         <p:spPr>
           <a:xfrm>
-            <a:off x="1766657" y="1370130"/>
-            <a:ext cx="1482571" cy="328474"/>
+            <a:off x="7720243" y="1373097"/>
+            <a:ext cx="1712650" cy="328474"/>
           </a:xfrm>
           <a:prstGeom prst="rect">
             <a:avLst/>
@@ -5587,7 +5165,7 @@
                   <a:schemeClr val="tx1"/>
                 </a:solidFill>
               </a:rPr>
-              <a:t>タグ管理トップ画面</a:t>
+              <a:t>学校・学科管理トップ画面</a:t>
             </a:r>
             <a:endParaRPr lang="en-US" altLang="ja-JP" sz="1000" dirty="0">
               <a:solidFill>
@@ -5603,7 +5181,7 @@
                   <a:schemeClr val="tx1"/>
                 </a:solidFill>
               </a:rPr>
-              <a:t>tagTop.php</a:t>
+              <a:t>schoolTop.php</a:t>
             </a:r>
             <a:endParaRPr kumimoji="1" lang="ja-JP" altLang="en-US" sz="1000" dirty="0">
               <a:solidFill>
@@ -5613,6 +5191,76 @@
           </a:p>
         </p:txBody>
       </p:sp>
+      <p:cxnSp>
+        <p:nvCxnSpPr>
+          <p:cNvPr id="14" name="カギ線コネクタ 13"/>
+          <p:cNvCxnSpPr>
+            <a:stCxn id="5" idx="2"/>
+            <a:endCxn id="18" idx="0"/>
+          </p:cNvCxnSpPr>
+          <p:nvPr/>
+        </p:nvCxnSpPr>
+        <p:spPr>
+          <a:xfrm rot="5400000">
+            <a:off x="3679052" y="2225"/>
+            <a:ext cx="196796" cy="2539014"/>
+          </a:xfrm>
+          <a:prstGeom prst="bentConnector3">
+            <a:avLst>
+              <a:gd name="adj1" fmla="val 50000"/>
+            </a:avLst>
+          </a:prstGeom>
+        </p:spPr>
+        <p:style>
+          <a:lnRef idx="1">
+            <a:schemeClr val="accent1"/>
+          </a:lnRef>
+          <a:fillRef idx="0">
+            <a:schemeClr val="accent1"/>
+          </a:fillRef>
+          <a:effectRef idx="0">
+            <a:schemeClr val="accent1"/>
+          </a:effectRef>
+          <a:fontRef idx="minor">
+            <a:schemeClr val="tx1"/>
+          </a:fontRef>
+        </p:style>
+      </p:cxnSp>
+      <p:cxnSp>
+        <p:nvCxnSpPr>
+          <p:cNvPr id="21" name="カギ線コネクタ 20"/>
+          <p:cNvCxnSpPr>
+            <a:stCxn id="5" idx="2"/>
+            <a:endCxn id="19" idx="0"/>
+          </p:cNvCxnSpPr>
+          <p:nvPr/>
+        </p:nvCxnSpPr>
+        <p:spPr>
+          <a:xfrm rot="16200000" flipH="1">
+            <a:off x="6711881" y="-491591"/>
+            <a:ext cx="199763" cy="3529611"/>
+          </a:xfrm>
+          <a:prstGeom prst="bentConnector3">
+            <a:avLst>
+              <a:gd name="adj1" fmla="val 50000"/>
+            </a:avLst>
+          </a:prstGeom>
+        </p:spPr>
+        <p:style>
+          <a:lnRef idx="1">
+            <a:schemeClr val="accent1"/>
+          </a:lnRef>
+          <a:fillRef idx="0">
+            <a:schemeClr val="accent1"/>
+          </a:fillRef>
+          <a:effectRef idx="0">
+            <a:schemeClr val="accent1"/>
+          </a:effectRef>
+          <a:fontRef idx="minor">
+            <a:schemeClr val="tx1"/>
+          </a:fontRef>
+        </p:style>
+      </p:cxnSp>
       <p:sp>
         <p:nvSpPr>
           <p:cNvPr id="23" name="正方形/長方形 22"/>
@@ -5621,8 +5269,8 @@
         </p:nvSpPr>
         <p:spPr>
           <a:xfrm>
-            <a:off x="7720243" y="1373097"/>
-            <a:ext cx="1712650" cy="328474"/>
+            <a:off x="2689935" y="2151368"/>
+            <a:ext cx="1482571" cy="328474"/>
           </a:xfrm>
           <a:prstGeom prst="rect">
             <a:avLst/>
@@ -5665,7 +5313,7 @@
                   <a:schemeClr val="tx1"/>
                 </a:solidFill>
               </a:rPr>
-              <a:t>学校・学科管理トップ画面</a:t>
+              <a:t>新規タグ情報入力画面</a:t>
             </a:r>
             <a:endParaRPr lang="en-US" altLang="ja-JP" sz="1000" dirty="0">
               <a:solidFill>
@@ -5681,7 +5329,7 @@
                   <a:schemeClr val="tx1"/>
                 </a:solidFill>
               </a:rPr>
-              <a:t>schoolTop.php</a:t>
+              <a:t>tagMake.php</a:t>
             </a:r>
             <a:endParaRPr kumimoji="1" lang="ja-JP" altLang="en-US" sz="1000" dirty="0">
               <a:solidFill>
@@ -5691,119 +5339,16 @@
           </a:p>
         </p:txBody>
       </p:sp>
-      <p:cxnSp>
-        <p:nvCxnSpPr>
-          <p:cNvPr id="24" name="カギ線コネクタ 23"/>
-          <p:cNvCxnSpPr>
-            <a:stCxn id="19" idx="2"/>
-            <a:endCxn id="22" idx="0"/>
-          </p:cNvCxnSpPr>
-          <p:nvPr/>
-        </p:nvCxnSpPr>
-        <p:spPr>
-          <a:xfrm rot="5400000">
-            <a:off x="3679052" y="2225"/>
-            <a:ext cx="196796" cy="2539014"/>
-          </a:xfrm>
-          <a:prstGeom prst="bentConnector3">
-            <a:avLst>
-              <a:gd name="adj1" fmla="val 50000"/>
-            </a:avLst>
-          </a:prstGeom>
-        </p:spPr>
-        <p:style>
-          <a:lnRef idx="1">
-            <a:schemeClr val="accent1"/>
-          </a:lnRef>
-          <a:fillRef idx="0">
-            <a:schemeClr val="accent1"/>
-          </a:fillRef>
-          <a:effectRef idx="0">
-            <a:schemeClr val="accent1"/>
-          </a:effectRef>
-          <a:fontRef idx="minor">
-            <a:schemeClr val="tx1"/>
-          </a:fontRef>
-        </p:style>
-      </p:cxnSp>
-      <p:cxnSp>
-        <p:nvCxnSpPr>
-          <p:cNvPr id="25" name="カギ線コネクタ 24"/>
-          <p:cNvCxnSpPr>
-            <a:stCxn id="19" idx="2"/>
-            <a:endCxn id="23" idx="0"/>
-          </p:cNvCxnSpPr>
-          <p:nvPr/>
-        </p:nvCxnSpPr>
-        <p:spPr>
-          <a:xfrm rot="16200000" flipH="1">
-            <a:off x="6711881" y="-491591"/>
-            <a:ext cx="199763" cy="3529611"/>
-          </a:xfrm>
-          <a:prstGeom prst="bentConnector3">
-            <a:avLst>
-              <a:gd name="adj1" fmla="val 50000"/>
-            </a:avLst>
-          </a:prstGeom>
-        </p:spPr>
-        <p:style>
-          <a:lnRef idx="1">
-            <a:schemeClr val="accent1"/>
-          </a:lnRef>
-          <a:fillRef idx="0">
-            <a:schemeClr val="accent1"/>
-          </a:fillRef>
-          <a:effectRef idx="0">
-            <a:schemeClr val="accent1"/>
-          </a:effectRef>
-          <a:fontRef idx="minor">
-            <a:schemeClr val="tx1"/>
-          </a:fontRef>
-        </p:style>
-      </p:cxnSp>
-      <p:cxnSp>
-        <p:nvCxnSpPr>
-          <p:cNvPr id="26" name="直線コネクタ 25"/>
-          <p:cNvCxnSpPr>
-            <a:stCxn id="19" idx="2"/>
-            <a:endCxn id="21" idx="0"/>
-          </p:cNvCxnSpPr>
-          <p:nvPr/>
-        </p:nvCxnSpPr>
-        <p:spPr>
-          <a:xfrm flipH="1">
-            <a:off x="5046956" y="1173334"/>
-            <a:ext cx="1" cy="196796"/>
-          </a:xfrm>
-          <a:prstGeom prst="line">
-            <a:avLst/>
-          </a:prstGeom>
-        </p:spPr>
-        <p:style>
-          <a:lnRef idx="1">
-            <a:schemeClr val="accent1"/>
-          </a:lnRef>
-          <a:fillRef idx="0">
-            <a:schemeClr val="accent1"/>
-          </a:fillRef>
-          <a:effectRef idx="0">
-            <a:schemeClr val="accent1"/>
-          </a:effectRef>
-          <a:fontRef idx="minor">
-            <a:schemeClr val="tx1"/>
-          </a:fontRef>
-        </p:style>
-      </p:cxnSp>
-      <p:sp>
-        <p:nvSpPr>
-          <p:cNvPr id="27" name="正方形/長方形 26"/>
+      <p:sp>
+        <p:nvSpPr>
+          <p:cNvPr id="24" name="正方形/長方形 23"/>
           <p:cNvSpPr/>
           <p:nvPr/>
         </p:nvSpPr>
         <p:spPr>
           <a:xfrm>
-            <a:off x="2610034" y="2077425"/>
-            <a:ext cx="1741504" cy="328474"/>
+            <a:off x="756083" y="2151368"/>
+            <a:ext cx="1482571" cy="328474"/>
           </a:xfrm>
           <a:prstGeom prst="rect">
             <a:avLst/>
@@ -5846,7 +5391,7 @@
                   <a:schemeClr val="tx1"/>
                 </a:solidFill>
               </a:rPr>
-              <a:t>変更職業関連情報選択画面</a:t>
+              <a:t>変更タグ選択画面</a:t>
             </a:r>
             <a:endParaRPr lang="en-US" altLang="ja-JP" sz="1000" dirty="0">
               <a:solidFill>
@@ -5862,7 +5407,7 @@
                   <a:schemeClr val="tx1"/>
                 </a:solidFill>
               </a:rPr>
-              <a:t>kanriSelect.php</a:t>
+              <a:t>tagKanriSelect.php</a:t>
             </a:r>
             <a:endParaRPr kumimoji="1" lang="ja-JP" altLang="en-US" sz="1000" dirty="0">
               <a:solidFill>
@@ -5872,16 +5417,82 @@
           </a:p>
         </p:txBody>
       </p:sp>
-      <p:sp>
-        <p:nvSpPr>
-          <p:cNvPr id="28" name="正方形/長方形 27"/>
+      <p:cxnSp>
+        <p:nvCxnSpPr>
+          <p:cNvPr id="26" name="カギ線コネクタ 25"/>
+          <p:cNvCxnSpPr>
+            <a:stCxn id="18" idx="2"/>
+            <a:endCxn id="23" idx="0"/>
+          </p:cNvCxnSpPr>
+          <p:nvPr/>
+        </p:nvCxnSpPr>
+        <p:spPr>
+          <a:xfrm rot="16200000" flipH="1">
+            <a:off x="2743200" y="1463347"/>
+            <a:ext cx="452764" cy="923278"/>
+          </a:xfrm>
+          <a:prstGeom prst="bentConnector3">
+            <a:avLst/>
+          </a:prstGeom>
+        </p:spPr>
+        <p:style>
+          <a:lnRef idx="1">
+            <a:schemeClr val="accent1"/>
+          </a:lnRef>
+          <a:fillRef idx="0">
+            <a:schemeClr val="accent1"/>
+          </a:fillRef>
+          <a:effectRef idx="0">
+            <a:schemeClr val="accent1"/>
+          </a:effectRef>
+          <a:fontRef idx="minor">
+            <a:schemeClr val="tx1"/>
+          </a:fontRef>
+        </p:style>
+      </p:cxnSp>
+      <p:cxnSp>
+        <p:nvCxnSpPr>
+          <p:cNvPr id="29" name="カギ線コネクタ 28"/>
+          <p:cNvCxnSpPr>
+            <a:stCxn id="18" idx="2"/>
+            <a:endCxn id="24" idx="0"/>
+          </p:cNvCxnSpPr>
+          <p:nvPr/>
+        </p:nvCxnSpPr>
+        <p:spPr>
+          <a:xfrm rot="5400000">
+            <a:off x="1776274" y="1419699"/>
+            <a:ext cx="452764" cy="1010574"/>
+          </a:xfrm>
+          <a:prstGeom prst="bentConnector3">
+            <a:avLst/>
+          </a:prstGeom>
+        </p:spPr>
+        <p:style>
+          <a:lnRef idx="1">
+            <a:schemeClr val="accent1"/>
+          </a:lnRef>
+          <a:fillRef idx="0">
+            <a:schemeClr val="accent1"/>
+          </a:fillRef>
+          <a:effectRef idx="0">
+            <a:schemeClr val="accent1"/>
+          </a:effectRef>
+          <a:fontRef idx="minor">
+            <a:schemeClr val="tx1"/>
+          </a:fontRef>
+        </p:style>
+      </p:cxnSp>
+      <p:sp>
+        <p:nvSpPr>
+          <p:cNvPr id="31" name="正方形/長方形 30"/>
           <p:cNvSpPr/>
           <p:nvPr/>
         </p:nvSpPr>
         <p:spPr>
           <a:xfrm>
-            <a:off x="6166284" y="2077425"/>
-            <a:ext cx="1746312" cy="328474"/>
+            <a:off x="756082" y="2676630"/>
+            <a:ext cx="1482571" cy="328474"/>
           </a:xfrm>
           <a:prstGeom prst="rect">
             <a:avLst/>
@@ -5924,7 +5535,7 @@
                   <a:schemeClr val="tx1"/>
                 </a:solidFill>
               </a:rPr>
-              <a:t>追加職業関連情報選択画面</a:t>
+              <a:t>変更タグ詳細確認画面</a:t>
             </a:r>
             <a:endParaRPr lang="en-US" altLang="ja-JP" sz="1000" dirty="0">
               <a:solidFill>
@@ -5940,7 +5551,7 @@
                   <a:schemeClr val="tx1"/>
                 </a:solidFill>
               </a:rPr>
-              <a:t>jobMake.php</a:t>
+              <a:t>tagKakunin.php</a:t>
             </a:r>
             <a:endParaRPr kumimoji="1" lang="ja-JP" altLang="en-US" sz="1000" dirty="0">
               <a:solidFill>
@@ -5952,14 +5563,14 @@
       </p:sp>
       <p:sp>
         <p:nvSpPr>
-          <p:cNvPr id="35" name="正方形/長方形 34"/>
+          <p:cNvPr id="33" name="正方形/長方形 32"/>
           <p:cNvSpPr/>
           <p:nvPr/>
         </p:nvSpPr>
         <p:spPr>
           <a:xfrm>
-            <a:off x="2361459" y="2709209"/>
-            <a:ext cx="2238655" cy="328474"/>
+            <a:off x="756082" y="3201908"/>
+            <a:ext cx="1482571" cy="328474"/>
           </a:xfrm>
           <a:prstGeom prst="rect">
             <a:avLst/>
@@ -6002,7 +5613,7 @@
                   <a:schemeClr val="tx1"/>
                 </a:solidFill>
               </a:rPr>
-              <a:t>（変更職業関連情報）職業選択画面</a:t>
+              <a:t>タグ変更情報入力画面</a:t>
             </a:r>
             <a:endParaRPr lang="en-US" altLang="ja-JP" sz="1000" dirty="0">
               <a:solidFill>
@@ -6018,7 +5629,7 @@
                   <a:schemeClr val="tx1"/>
                 </a:solidFill>
               </a:rPr>
-              <a:t>jobSelect.php</a:t>
+              <a:t>tagKanri.php</a:t>
             </a:r>
             <a:endParaRPr kumimoji="1" lang="ja-JP" altLang="en-US" sz="1000" dirty="0">
               <a:solidFill>
@@ -6030,14 +5641,14 @@
       </p:sp>
       <p:sp>
         <p:nvSpPr>
-          <p:cNvPr id="36" name="正方形/長方形 35"/>
+          <p:cNvPr id="34" name="正方形/長方形 33"/>
           <p:cNvSpPr/>
           <p:nvPr/>
         </p:nvSpPr>
         <p:spPr>
           <a:xfrm>
-            <a:off x="1214762" y="3366156"/>
-            <a:ext cx="1998956" cy="328474"/>
+            <a:off x="2556769" y="2676630"/>
+            <a:ext cx="1748902" cy="328474"/>
           </a:xfrm>
           <a:prstGeom prst="rect">
             <a:avLst/>
@@ -6080,7 +5691,7 @@
                   <a:schemeClr val="tx1"/>
                 </a:solidFill>
               </a:rPr>
-              <a:t>変更職業関連情報詳細選択画面</a:t>
+              <a:t>新規タグ連携情報入力画面</a:t>
             </a:r>
             <a:endParaRPr lang="en-US" altLang="ja-JP" sz="1000" dirty="0">
               <a:solidFill>
@@ -6091,12 +5702,12 @@
           <a:p>
             <a:pPr algn="ctr"/>
             <a:r>
-              <a:rPr lang="en-US" altLang="ja-JP" sz="1000" dirty="0" err="1">
-                <a:solidFill>
-                  <a:schemeClr val="tx1"/>
-                </a:solidFill>
-              </a:rPr>
-              <a:t>commentKanri.php</a:t>
+              <a:rPr lang="en-US" altLang="ja-JP" sz="1000" dirty="0">
+                <a:solidFill>
+                  <a:schemeClr val="tx1"/>
+                </a:solidFill>
+              </a:rPr>
+              <a:t>tagMake2.php</a:t>
             </a:r>
             <a:endParaRPr kumimoji="1" lang="ja-JP" altLang="en-US" sz="1000" dirty="0">
               <a:solidFill>
@@ -6106,16 +5717,148 @@
           </a:p>
         </p:txBody>
       </p:sp>
-      <p:sp>
-        <p:nvSpPr>
-          <p:cNvPr id="37" name="正方形/長方形 36"/>
+      <p:cxnSp>
+        <p:nvCxnSpPr>
+          <p:cNvPr id="36" name="直線コネクタ 35"/>
+          <p:cNvCxnSpPr>
+            <a:stCxn id="24" idx="2"/>
+            <a:endCxn id="24" idx="2"/>
+          </p:cNvCxnSpPr>
+          <p:nvPr/>
+        </p:nvCxnSpPr>
+        <p:spPr>
+          <a:xfrm>
+            <a:off x="1497369" y="2479842"/>
+            <a:ext cx="0" cy="0"/>
+          </a:xfrm>
+          <a:prstGeom prst="line">
+            <a:avLst/>
+          </a:prstGeom>
+        </p:spPr>
+        <p:style>
+          <a:lnRef idx="1">
+            <a:schemeClr val="accent1"/>
+          </a:lnRef>
+          <a:fillRef idx="0">
+            <a:schemeClr val="accent1"/>
+          </a:fillRef>
+          <a:effectRef idx="0">
+            <a:schemeClr val="accent1"/>
+          </a:effectRef>
+          <a:fontRef idx="minor">
+            <a:schemeClr val="tx1"/>
+          </a:fontRef>
+        </p:style>
+      </p:cxnSp>
+      <p:cxnSp>
+        <p:nvCxnSpPr>
+          <p:cNvPr id="38" name="直線コネクタ 37"/>
+          <p:cNvCxnSpPr>
+            <a:stCxn id="24" idx="2"/>
+            <a:endCxn id="31" idx="0"/>
+          </p:cNvCxnSpPr>
+          <p:nvPr/>
+        </p:nvCxnSpPr>
+        <p:spPr>
+          <a:xfrm flipH="1">
+            <a:off x="1497368" y="2479842"/>
+            <a:ext cx="1" cy="196788"/>
+          </a:xfrm>
+          <a:prstGeom prst="line">
+            <a:avLst/>
+          </a:prstGeom>
+        </p:spPr>
+        <p:style>
+          <a:lnRef idx="1">
+            <a:schemeClr val="accent1"/>
+          </a:lnRef>
+          <a:fillRef idx="0">
+            <a:schemeClr val="accent1"/>
+          </a:fillRef>
+          <a:effectRef idx="0">
+            <a:schemeClr val="accent1"/>
+          </a:effectRef>
+          <a:fontRef idx="minor">
+            <a:schemeClr val="tx1"/>
+          </a:fontRef>
+        </p:style>
+      </p:cxnSp>
+      <p:cxnSp>
+        <p:nvCxnSpPr>
+          <p:cNvPr id="41" name="直線コネクタ 40"/>
+          <p:cNvCxnSpPr>
+            <a:stCxn id="31" idx="2"/>
+            <a:endCxn id="33" idx="0"/>
+          </p:cNvCxnSpPr>
+          <p:nvPr/>
+        </p:nvCxnSpPr>
+        <p:spPr>
+          <a:xfrm>
+            <a:off x="1497368" y="3005104"/>
+            <a:ext cx="0" cy="196804"/>
+          </a:xfrm>
+          <a:prstGeom prst="line">
+            <a:avLst/>
+          </a:prstGeom>
+        </p:spPr>
+        <p:style>
+          <a:lnRef idx="1">
+            <a:schemeClr val="accent1"/>
+          </a:lnRef>
+          <a:fillRef idx="0">
+            <a:schemeClr val="accent1"/>
+          </a:fillRef>
+          <a:effectRef idx="0">
+            <a:schemeClr val="accent1"/>
+          </a:effectRef>
+          <a:fontRef idx="minor">
+            <a:schemeClr val="tx1"/>
+          </a:fontRef>
+        </p:style>
+      </p:cxnSp>
+      <p:cxnSp>
+        <p:nvCxnSpPr>
+          <p:cNvPr id="44" name="直線コネクタ 43"/>
+          <p:cNvCxnSpPr>
+            <a:stCxn id="23" idx="2"/>
+            <a:endCxn id="34" idx="0"/>
+          </p:cNvCxnSpPr>
+          <p:nvPr/>
+        </p:nvCxnSpPr>
+        <p:spPr>
+          <a:xfrm flipH="1">
+            <a:off x="3431220" y="2479842"/>
+            <a:ext cx="1" cy="196788"/>
+          </a:xfrm>
+          <a:prstGeom prst="line">
+            <a:avLst/>
+          </a:prstGeom>
+        </p:spPr>
+        <p:style>
+          <a:lnRef idx="1">
+            <a:schemeClr val="accent1"/>
+          </a:lnRef>
+          <a:fillRef idx="0">
+            <a:schemeClr val="accent1"/>
+          </a:fillRef>
+          <a:effectRef idx="0">
+            <a:schemeClr val="accent1"/>
+          </a:effectRef>
+          <a:fontRef idx="minor">
+            <a:schemeClr val="tx1"/>
+          </a:fontRef>
+        </p:style>
+      </p:cxnSp>
+      <p:sp>
+        <p:nvSpPr>
+          <p:cNvPr id="54" name="正方形/長方形 53"/>
           <p:cNvSpPr/>
           <p:nvPr/>
         </p:nvSpPr>
         <p:spPr>
           <a:xfrm>
-            <a:off x="1214762" y="3997965"/>
-            <a:ext cx="1998956" cy="328474"/>
+            <a:off x="4753993" y="2151368"/>
+            <a:ext cx="1482571" cy="328474"/>
           </a:xfrm>
           <a:prstGeom prst="rect">
             <a:avLst/>
@@ -6158,7 +5901,1873 @@
                   <a:schemeClr val="tx1"/>
                 </a:solidFill>
               </a:rPr>
-              <a:t>変更職業関連情報入力画面</a:t>
+              <a:t>新規学校情報入力画面</a:t>
+            </a:r>
+            <a:endParaRPr lang="en-US" altLang="ja-JP" sz="1000" dirty="0">
+              <a:solidFill>
+                <a:schemeClr val="tx1"/>
+              </a:solidFill>
+            </a:endParaRPr>
+          </a:p>
+          <a:p>
+            <a:pPr algn="ctr"/>
+            <a:r>
+              <a:rPr lang="en-US" altLang="ja-JP" sz="1000" dirty="0" err="1">
+                <a:solidFill>
+                  <a:schemeClr val="tx1"/>
+                </a:solidFill>
+              </a:rPr>
+              <a:t>schoolMake.php</a:t>
+            </a:r>
+            <a:endParaRPr kumimoji="1" lang="ja-JP" altLang="en-US" sz="1000" dirty="0">
+              <a:solidFill>
+                <a:schemeClr val="tx1"/>
+              </a:solidFill>
+            </a:endParaRPr>
+          </a:p>
+        </p:txBody>
+      </p:sp>
+      <p:sp>
+        <p:nvSpPr>
+          <p:cNvPr id="55" name="正方形/長方形 54"/>
+          <p:cNvSpPr/>
+          <p:nvPr/>
+        </p:nvSpPr>
+        <p:spPr>
+          <a:xfrm>
+            <a:off x="8281383" y="2151368"/>
+            <a:ext cx="1482571" cy="328474"/>
+          </a:xfrm>
+          <a:prstGeom prst="rect">
+            <a:avLst/>
+          </a:prstGeom>
+          <a:solidFill>
+            <a:schemeClr val="bg1"/>
+          </a:solidFill>
+          <a:ln>
+            <a:solidFill>
+              <a:schemeClr val="accent1">
+                <a:lumMod val="50000"/>
+              </a:schemeClr>
+            </a:solidFill>
+          </a:ln>
+        </p:spPr>
+        <p:style>
+          <a:lnRef idx="2">
+            <a:schemeClr val="accent1">
+              <a:shade val="50000"/>
+            </a:schemeClr>
+          </a:lnRef>
+          <a:fillRef idx="1">
+            <a:schemeClr val="accent1"/>
+          </a:fillRef>
+          <a:effectRef idx="0">
+            <a:schemeClr val="accent1"/>
+          </a:effectRef>
+          <a:fontRef idx="minor">
+            <a:schemeClr val="lt1"/>
+          </a:fontRef>
+        </p:style>
+        <p:txBody>
+          <a:bodyPr rtlCol="0" anchor="ctr"/>
+          <a:lstStyle/>
+          <a:p>
+            <a:pPr algn="ctr"/>
+            <a:r>
+              <a:rPr lang="ja-JP" altLang="en-US" sz="1000" dirty="0">
+                <a:solidFill>
+                  <a:schemeClr val="tx1"/>
+                </a:solidFill>
+              </a:rPr>
+              <a:t>新規学科情報入力画面</a:t>
+            </a:r>
+            <a:endParaRPr lang="en-US" altLang="ja-JP" sz="1000" dirty="0">
+              <a:solidFill>
+                <a:schemeClr val="tx1"/>
+              </a:solidFill>
+            </a:endParaRPr>
+          </a:p>
+          <a:p>
+            <a:pPr algn="ctr"/>
+            <a:r>
+              <a:rPr lang="en-US" altLang="ja-JP" sz="1000" dirty="0" err="1">
+                <a:solidFill>
+                  <a:schemeClr val="tx1"/>
+                </a:solidFill>
+              </a:rPr>
+              <a:t>departmentMake.php</a:t>
+            </a:r>
+            <a:endParaRPr kumimoji="1" lang="ja-JP" altLang="en-US" sz="1000" dirty="0">
+              <a:solidFill>
+                <a:schemeClr val="tx1"/>
+              </a:solidFill>
+            </a:endParaRPr>
+          </a:p>
+        </p:txBody>
+      </p:sp>
+      <p:sp>
+        <p:nvSpPr>
+          <p:cNvPr id="63" name="正方形/長方形 62"/>
+          <p:cNvSpPr/>
+          <p:nvPr/>
+        </p:nvSpPr>
+        <p:spPr>
+          <a:xfrm>
+            <a:off x="6437419" y="2151368"/>
+            <a:ext cx="1643109" cy="328474"/>
+          </a:xfrm>
+          <a:prstGeom prst="rect">
+            <a:avLst/>
+          </a:prstGeom>
+          <a:solidFill>
+            <a:schemeClr val="bg1"/>
+          </a:solidFill>
+          <a:ln>
+            <a:solidFill>
+              <a:schemeClr val="accent1">
+                <a:lumMod val="50000"/>
+              </a:schemeClr>
+            </a:solidFill>
+          </a:ln>
+        </p:spPr>
+        <p:style>
+          <a:lnRef idx="2">
+            <a:schemeClr val="accent1">
+              <a:shade val="50000"/>
+            </a:schemeClr>
+          </a:lnRef>
+          <a:fillRef idx="1">
+            <a:schemeClr val="accent1"/>
+          </a:fillRef>
+          <a:effectRef idx="0">
+            <a:schemeClr val="accent1"/>
+          </a:effectRef>
+          <a:fontRef idx="minor">
+            <a:schemeClr val="lt1"/>
+          </a:fontRef>
+        </p:style>
+        <p:txBody>
+          <a:bodyPr rtlCol="0" anchor="ctr"/>
+          <a:lstStyle/>
+          <a:p>
+            <a:pPr algn="ctr"/>
+            <a:r>
+              <a:rPr lang="ja-JP" altLang="en-US" sz="1000" dirty="0">
+                <a:solidFill>
+                  <a:schemeClr val="tx1"/>
+                </a:solidFill>
+              </a:rPr>
+              <a:t>変更学校情報選択画面</a:t>
+            </a:r>
+            <a:endParaRPr lang="en-US" altLang="ja-JP" sz="1000" dirty="0">
+              <a:solidFill>
+                <a:schemeClr val="tx1"/>
+              </a:solidFill>
+            </a:endParaRPr>
+          </a:p>
+          <a:p>
+            <a:pPr algn="ctr"/>
+            <a:r>
+              <a:rPr lang="en-US" altLang="ja-JP" sz="1000" dirty="0" err="1">
+                <a:solidFill>
+                  <a:schemeClr val="tx1"/>
+                </a:solidFill>
+              </a:rPr>
+              <a:t>schoolChangeSelect.php</a:t>
+            </a:r>
+            <a:endParaRPr kumimoji="1" lang="ja-JP" altLang="en-US" sz="1000" dirty="0">
+              <a:solidFill>
+                <a:schemeClr val="tx1"/>
+              </a:solidFill>
+            </a:endParaRPr>
+          </a:p>
+        </p:txBody>
+      </p:sp>
+      <p:sp>
+        <p:nvSpPr>
+          <p:cNvPr id="64" name="正方形/長方形 63"/>
+          <p:cNvSpPr/>
+          <p:nvPr/>
+        </p:nvSpPr>
+        <p:spPr>
+          <a:xfrm>
+            <a:off x="9961855" y="2151368"/>
+            <a:ext cx="1937182" cy="364000"/>
+          </a:xfrm>
+          <a:prstGeom prst="rect">
+            <a:avLst/>
+          </a:prstGeom>
+          <a:solidFill>
+            <a:schemeClr val="bg1"/>
+          </a:solidFill>
+          <a:ln>
+            <a:solidFill>
+              <a:schemeClr val="accent1">
+                <a:lumMod val="50000"/>
+              </a:schemeClr>
+            </a:solidFill>
+          </a:ln>
+        </p:spPr>
+        <p:style>
+          <a:lnRef idx="2">
+            <a:schemeClr val="accent1">
+              <a:shade val="50000"/>
+            </a:schemeClr>
+          </a:lnRef>
+          <a:fillRef idx="1">
+            <a:schemeClr val="accent1"/>
+          </a:fillRef>
+          <a:effectRef idx="0">
+            <a:schemeClr val="accent1"/>
+          </a:effectRef>
+          <a:fontRef idx="minor">
+            <a:schemeClr val="lt1"/>
+          </a:fontRef>
+        </p:style>
+        <p:txBody>
+          <a:bodyPr rtlCol="0" anchor="ctr"/>
+          <a:lstStyle/>
+          <a:p>
+            <a:pPr algn="ctr"/>
+            <a:r>
+              <a:rPr lang="ja-JP" altLang="en-US" sz="1000" dirty="0">
+                <a:solidFill>
+                  <a:schemeClr val="tx1"/>
+                </a:solidFill>
+              </a:rPr>
+              <a:t>変更学科情報選択画面</a:t>
+            </a:r>
+            <a:endParaRPr lang="en-US" altLang="ja-JP" sz="1000" dirty="0">
+              <a:solidFill>
+                <a:schemeClr val="tx1"/>
+              </a:solidFill>
+            </a:endParaRPr>
+          </a:p>
+          <a:p>
+            <a:pPr algn="ctr"/>
+            <a:r>
+              <a:rPr lang="en-US" altLang="ja-JP" sz="1000" dirty="0" err="1">
+                <a:solidFill>
+                  <a:schemeClr val="tx1"/>
+                </a:solidFill>
+              </a:rPr>
+              <a:t>departmentChangeSelect.php</a:t>
+            </a:r>
+            <a:endParaRPr kumimoji="1" lang="ja-JP" altLang="en-US" sz="1000" dirty="0">
+              <a:solidFill>
+                <a:schemeClr val="tx1"/>
+              </a:solidFill>
+            </a:endParaRPr>
+          </a:p>
+        </p:txBody>
+      </p:sp>
+      <p:sp>
+        <p:nvSpPr>
+          <p:cNvPr id="25" name="正方形/長方形 24"/>
+          <p:cNvSpPr/>
+          <p:nvPr/>
+        </p:nvSpPr>
+        <p:spPr>
+          <a:xfrm>
+            <a:off x="6336991" y="2698808"/>
+            <a:ext cx="1843964" cy="328474"/>
+          </a:xfrm>
+          <a:prstGeom prst="rect">
+            <a:avLst/>
+          </a:prstGeom>
+          <a:solidFill>
+            <a:schemeClr val="bg1"/>
+          </a:solidFill>
+          <a:ln>
+            <a:solidFill>
+              <a:schemeClr val="accent1">
+                <a:lumMod val="50000"/>
+              </a:schemeClr>
+            </a:solidFill>
+          </a:ln>
+        </p:spPr>
+        <p:style>
+          <a:lnRef idx="2">
+            <a:schemeClr val="accent1">
+              <a:shade val="50000"/>
+            </a:schemeClr>
+          </a:lnRef>
+          <a:fillRef idx="1">
+            <a:schemeClr val="accent1"/>
+          </a:fillRef>
+          <a:effectRef idx="0">
+            <a:schemeClr val="accent1"/>
+          </a:effectRef>
+          <a:fontRef idx="minor">
+            <a:schemeClr val="lt1"/>
+          </a:fontRef>
+        </p:style>
+        <p:txBody>
+          <a:bodyPr rtlCol="0" anchor="ctr"/>
+          <a:lstStyle/>
+          <a:p>
+            <a:pPr algn="ctr"/>
+            <a:r>
+              <a:rPr lang="ja-JP" altLang="en-US" sz="1000" dirty="0">
+                <a:solidFill>
+                  <a:schemeClr val="tx1"/>
+                </a:solidFill>
+              </a:rPr>
+              <a:t>変更学校情報確認画面</a:t>
+            </a:r>
+            <a:endParaRPr lang="en-US" altLang="ja-JP" sz="1000" dirty="0">
+              <a:solidFill>
+                <a:schemeClr val="tx1"/>
+              </a:solidFill>
+            </a:endParaRPr>
+          </a:p>
+          <a:p>
+            <a:pPr algn="ctr"/>
+            <a:r>
+              <a:rPr lang="en-US" altLang="ja-JP" sz="1000" dirty="0" err="1">
+                <a:solidFill>
+                  <a:schemeClr val="tx1"/>
+                </a:solidFill>
+              </a:rPr>
+              <a:t>schoolChangeKakunin.php</a:t>
+            </a:r>
+            <a:endParaRPr kumimoji="1" lang="ja-JP" altLang="en-US" sz="1000" dirty="0">
+              <a:solidFill>
+                <a:schemeClr val="tx1"/>
+              </a:solidFill>
+            </a:endParaRPr>
+          </a:p>
+        </p:txBody>
+      </p:sp>
+      <p:sp>
+        <p:nvSpPr>
+          <p:cNvPr id="27" name="正方形/長方形 26"/>
+          <p:cNvSpPr/>
+          <p:nvPr/>
+        </p:nvSpPr>
+        <p:spPr>
+          <a:xfrm>
+            <a:off x="6336991" y="3272856"/>
+            <a:ext cx="1843964" cy="328474"/>
+          </a:xfrm>
+          <a:prstGeom prst="rect">
+            <a:avLst/>
+          </a:prstGeom>
+          <a:solidFill>
+            <a:schemeClr val="bg1"/>
+          </a:solidFill>
+          <a:ln>
+            <a:solidFill>
+              <a:schemeClr val="accent1">
+                <a:lumMod val="50000"/>
+              </a:schemeClr>
+            </a:solidFill>
+          </a:ln>
+        </p:spPr>
+        <p:style>
+          <a:lnRef idx="2">
+            <a:schemeClr val="accent1">
+              <a:shade val="50000"/>
+            </a:schemeClr>
+          </a:lnRef>
+          <a:fillRef idx="1">
+            <a:schemeClr val="accent1"/>
+          </a:fillRef>
+          <a:effectRef idx="0">
+            <a:schemeClr val="accent1"/>
+          </a:effectRef>
+          <a:fontRef idx="minor">
+            <a:schemeClr val="lt1"/>
+          </a:fontRef>
+        </p:style>
+        <p:txBody>
+          <a:bodyPr rtlCol="0" anchor="ctr"/>
+          <a:lstStyle/>
+          <a:p>
+            <a:pPr algn="ctr"/>
+            <a:r>
+              <a:rPr lang="ja-JP" altLang="en-US" sz="1000" dirty="0">
+                <a:solidFill>
+                  <a:schemeClr val="tx1"/>
+                </a:solidFill>
+              </a:rPr>
+              <a:t>変更学校情報入力画面</a:t>
+            </a:r>
+            <a:endParaRPr lang="en-US" altLang="ja-JP" sz="1000" dirty="0">
+              <a:solidFill>
+                <a:schemeClr val="tx1"/>
+              </a:solidFill>
+            </a:endParaRPr>
+          </a:p>
+          <a:p>
+            <a:pPr algn="ctr"/>
+            <a:r>
+              <a:rPr lang="en-US" altLang="ja-JP" sz="1000" dirty="0" err="1">
+                <a:solidFill>
+                  <a:schemeClr val="tx1"/>
+                </a:solidFill>
+              </a:rPr>
+              <a:t>schoolChange.php</a:t>
+            </a:r>
+            <a:endParaRPr kumimoji="1" lang="ja-JP" altLang="en-US" sz="1000" dirty="0">
+              <a:solidFill>
+                <a:schemeClr val="tx1"/>
+              </a:solidFill>
+            </a:endParaRPr>
+          </a:p>
+        </p:txBody>
+      </p:sp>
+      <p:sp>
+        <p:nvSpPr>
+          <p:cNvPr id="28" name="正方形/長方形 27"/>
+          <p:cNvSpPr/>
+          <p:nvPr/>
+        </p:nvSpPr>
+        <p:spPr>
+          <a:xfrm>
+            <a:off x="9903595" y="2698808"/>
+            <a:ext cx="2053701" cy="364000"/>
+          </a:xfrm>
+          <a:prstGeom prst="rect">
+            <a:avLst/>
+          </a:prstGeom>
+          <a:solidFill>
+            <a:schemeClr val="bg1"/>
+          </a:solidFill>
+          <a:ln>
+            <a:solidFill>
+              <a:schemeClr val="accent1">
+                <a:lumMod val="50000"/>
+              </a:schemeClr>
+            </a:solidFill>
+          </a:ln>
+        </p:spPr>
+        <p:style>
+          <a:lnRef idx="2">
+            <a:schemeClr val="accent1">
+              <a:shade val="50000"/>
+            </a:schemeClr>
+          </a:lnRef>
+          <a:fillRef idx="1">
+            <a:schemeClr val="accent1"/>
+          </a:fillRef>
+          <a:effectRef idx="0">
+            <a:schemeClr val="accent1"/>
+          </a:effectRef>
+          <a:fontRef idx="minor">
+            <a:schemeClr val="lt1"/>
+          </a:fontRef>
+        </p:style>
+        <p:txBody>
+          <a:bodyPr rtlCol="0" anchor="ctr"/>
+          <a:lstStyle/>
+          <a:p>
+            <a:pPr algn="ctr"/>
+            <a:r>
+              <a:rPr lang="ja-JP" altLang="en-US" sz="1000" dirty="0">
+                <a:solidFill>
+                  <a:schemeClr val="tx1"/>
+                </a:solidFill>
+              </a:rPr>
+              <a:t>変更学科情報確認画面</a:t>
+            </a:r>
+            <a:endParaRPr lang="en-US" altLang="ja-JP" sz="1000" dirty="0">
+              <a:solidFill>
+                <a:schemeClr val="tx1"/>
+              </a:solidFill>
+            </a:endParaRPr>
+          </a:p>
+          <a:p>
+            <a:pPr algn="ctr"/>
+            <a:r>
+              <a:rPr lang="en-US" altLang="ja-JP" sz="1000" dirty="0" err="1">
+                <a:solidFill>
+                  <a:schemeClr val="tx1"/>
+                </a:solidFill>
+              </a:rPr>
+              <a:t>departmentChangeKakunin.php</a:t>
+            </a:r>
+            <a:endParaRPr kumimoji="1" lang="ja-JP" altLang="en-US" sz="1000" dirty="0">
+              <a:solidFill>
+                <a:schemeClr val="tx1"/>
+              </a:solidFill>
+            </a:endParaRPr>
+          </a:p>
+        </p:txBody>
+      </p:sp>
+      <p:sp>
+        <p:nvSpPr>
+          <p:cNvPr id="30" name="正方形/長方形 29"/>
+          <p:cNvSpPr/>
+          <p:nvPr/>
+        </p:nvSpPr>
+        <p:spPr>
+          <a:xfrm>
+            <a:off x="9903595" y="3237330"/>
+            <a:ext cx="2053701" cy="364000"/>
+          </a:xfrm>
+          <a:prstGeom prst="rect">
+            <a:avLst/>
+          </a:prstGeom>
+          <a:solidFill>
+            <a:schemeClr val="bg1"/>
+          </a:solidFill>
+          <a:ln>
+            <a:solidFill>
+              <a:schemeClr val="accent1">
+                <a:lumMod val="50000"/>
+              </a:schemeClr>
+            </a:solidFill>
+          </a:ln>
+        </p:spPr>
+        <p:style>
+          <a:lnRef idx="2">
+            <a:schemeClr val="accent1">
+              <a:shade val="50000"/>
+            </a:schemeClr>
+          </a:lnRef>
+          <a:fillRef idx="1">
+            <a:schemeClr val="accent1"/>
+          </a:fillRef>
+          <a:effectRef idx="0">
+            <a:schemeClr val="accent1"/>
+          </a:effectRef>
+          <a:fontRef idx="minor">
+            <a:schemeClr val="lt1"/>
+          </a:fontRef>
+        </p:style>
+        <p:txBody>
+          <a:bodyPr rtlCol="0" anchor="ctr"/>
+          <a:lstStyle/>
+          <a:p>
+            <a:pPr algn="ctr"/>
+            <a:r>
+              <a:rPr lang="ja-JP" altLang="en-US" sz="1000" dirty="0">
+                <a:solidFill>
+                  <a:schemeClr val="tx1"/>
+                </a:solidFill>
+              </a:rPr>
+              <a:t>変更学科情報入力画面</a:t>
+            </a:r>
+            <a:endParaRPr lang="en-US" altLang="ja-JP" sz="1000" dirty="0">
+              <a:solidFill>
+                <a:schemeClr val="tx1"/>
+              </a:solidFill>
+            </a:endParaRPr>
+          </a:p>
+          <a:p>
+            <a:pPr algn="ctr"/>
+            <a:r>
+              <a:rPr lang="en-US" altLang="ja-JP" sz="1000" dirty="0" err="1">
+                <a:solidFill>
+                  <a:schemeClr val="tx1"/>
+                </a:solidFill>
+              </a:rPr>
+              <a:t>departmentChange.php</a:t>
+            </a:r>
+            <a:endParaRPr kumimoji="1" lang="ja-JP" altLang="en-US" sz="1000" dirty="0">
+              <a:solidFill>
+                <a:schemeClr val="tx1"/>
+              </a:solidFill>
+            </a:endParaRPr>
+          </a:p>
+        </p:txBody>
+      </p:sp>
+      <p:cxnSp>
+        <p:nvCxnSpPr>
+          <p:cNvPr id="8" name="直線コネクタ 7"/>
+          <p:cNvCxnSpPr>
+            <a:stCxn id="5" idx="2"/>
+          </p:cNvCxnSpPr>
+          <p:nvPr/>
+        </p:nvCxnSpPr>
+        <p:spPr>
+          <a:xfrm>
+            <a:off x="5046957" y="1173334"/>
+            <a:ext cx="0" cy="199018"/>
+          </a:xfrm>
+          <a:prstGeom prst="line">
+            <a:avLst/>
+          </a:prstGeom>
+        </p:spPr>
+        <p:style>
+          <a:lnRef idx="1">
+            <a:schemeClr val="accent1"/>
+          </a:lnRef>
+          <a:fillRef idx="0">
+            <a:schemeClr val="accent1"/>
+          </a:fillRef>
+          <a:effectRef idx="0">
+            <a:schemeClr val="accent1"/>
+          </a:effectRef>
+          <a:fontRef idx="minor">
+            <a:schemeClr val="tx1"/>
+          </a:fontRef>
+        </p:style>
+      </p:cxnSp>
+      <p:cxnSp>
+        <p:nvCxnSpPr>
+          <p:cNvPr id="12" name="カギ線コネクタ 11"/>
+          <p:cNvCxnSpPr>
+            <a:stCxn id="19" idx="2"/>
+            <a:endCxn id="63" idx="0"/>
+          </p:cNvCxnSpPr>
+          <p:nvPr/>
+        </p:nvCxnSpPr>
+        <p:spPr>
+          <a:xfrm rot="5400000">
+            <a:off x="7692873" y="1267672"/>
+            <a:ext cx="449797" cy="1317594"/>
+          </a:xfrm>
+          <a:prstGeom prst="bentConnector3">
+            <a:avLst/>
+          </a:prstGeom>
+        </p:spPr>
+        <p:style>
+          <a:lnRef idx="1">
+            <a:schemeClr val="accent1"/>
+          </a:lnRef>
+          <a:fillRef idx="0">
+            <a:schemeClr val="accent1"/>
+          </a:fillRef>
+          <a:effectRef idx="0">
+            <a:schemeClr val="accent1"/>
+          </a:effectRef>
+          <a:fontRef idx="minor">
+            <a:schemeClr val="tx1"/>
+          </a:fontRef>
+        </p:style>
+      </p:cxnSp>
+      <p:cxnSp>
+        <p:nvCxnSpPr>
+          <p:cNvPr id="20" name="カギ線コネクタ 19"/>
+          <p:cNvCxnSpPr>
+            <a:stCxn id="19" idx="2"/>
+            <a:endCxn id="55" idx="0"/>
+          </p:cNvCxnSpPr>
+          <p:nvPr/>
+        </p:nvCxnSpPr>
+        <p:spPr>
+          <a:xfrm rot="16200000" flipH="1">
+            <a:off x="8574720" y="1703418"/>
+            <a:ext cx="449797" cy="446101"/>
+          </a:xfrm>
+          <a:prstGeom prst="bentConnector3">
+            <a:avLst/>
+          </a:prstGeom>
+        </p:spPr>
+        <p:style>
+          <a:lnRef idx="1">
+            <a:schemeClr val="accent1"/>
+          </a:lnRef>
+          <a:fillRef idx="0">
+            <a:schemeClr val="accent1"/>
+          </a:fillRef>
+          <a:effectRef idx="0">
+            <a:schemeClr val="accent1"/>
+          </a:effectRef>
+          <a:fontRef idx="minor">
+            <a:schemeClr val="tx1"/>
+          </a:fontRef>
+        </p:style>
+      </p:cxnSp>
+      <p:cxnSp>
+        <p:nvCxnSpPr>
+          <p:cNvPr id="39" name="カギ線コネクタ 38"/>
+          <p:cNvCxnSpPr>
+            <a:stCxn id="19" idx="2"/>
+            <a:endCxn id="64" idx="0"/>
+          </p:cNvCxnSpPr>
+          <p:nvPr/>
+        </p:nvCxnSpPr>
+        <p:spPr>
+          <a:xfrm rot="16200000" flipH="1">
+            <a:off x="9528609" y="749530"/>
+            <a:ext cx="449797" cy="2353878"/>
+          </a:xfrm>
+          <a:prstGeom prst="bentConnector3">
+            <a:avLst/>
+          </a:prstGeom>
+        </p:spPr>
+        <p:style>
+          <a:lnRef idx="1">
+            <a:schemeClr val="accent1"/>
+          </a:lnRef>
+          <a:fillRef idx="0">
+            <a:schemeClr val="accent1"/>
+          </a:fillRef>
+          <a:effectRef idx="0">
+            <a:schemeClr val="accent1"/>
+          </a:effectRef>
+          <a:fontRef idx="minor">
+            <a:schemeClr val="tx1"/>
+          </a:fontRef>
+        </p:style>
+      </p:cxnSp>
+      <p:cxnSp>
+        <p:nvCxnSpPr>
+          <p:cNvPr id="43" name="カギ線コネクタ 42"/>
+          <p:cNvCxnSpPr>
+            <a:stCxn id="19" idx="2"/>
+            <a:endCxn id="54" idx="0"/>
+          </p:cNvCxnSpPr>
+          <p:nvPr/>
+        </p:nvCxnSpPr>
+        <p:spPr>
+          <a:xfrm rot="5400000">
+            <a:off x="6811026" y="385825"/>
+            <a:ext cx="449797" cy="3081289"/>
+          </a:xfrm>
+          <a:prstGeom prst="bentConnector3">
+            <a:avLst/>
+          </a:prstGeom>
+        </p:spPr>
+        <p:style>
+          <a:lnRef idx="1">
+            <a:schemeClr val="accent1"/>
+          </a:lnRef>
+          <a:fillRef idx="0">
+            <a:schemeClr val="accent1"/>
+          </a:fillRef>
+          <a:effectRef idx="0">
+            <a:schemeClr val="accent1"/>
+          </a:effectRef>
+          <a:fontRef idx="minor">
+            <a:schemeClr val="tx1"/>
+          </a:fontRef>
+        </p:style>
+      </p:cxnSp>
+      <p:cxnSp>
+        <p:nvCxnSpPr>
+          <p:cNvPr id="47" name="直線コネクタ 46"/>
+          <p:cNvCxnSpPr>
+            <a:stCxn id="63" idx="2"/>
+            <a:endCxn id="25" idx="0"/>
+          </p:cNvCxnSpPr>
+          <p:nvPr/>
+        </p:nvCxnSpPr>
+        <p:spPr>
+          <a:xfrm flipH="1">
+            <a:off x="7258973" y="2479842"/>
+            <a:ext cx="1" cy="218966"/>
+          </a:xfrm>
+          <a:prstGeom prst="line">
+            <a:avLst/>
+          </a:prstGeom>
+        </p:spPr>
+        <p:style>
+          <a:lnRef idx="1">
+            <a:schemeClr val="accent1"/>
+          </a:lnRef>
+          <a:fillRef idx="0">
+            <a:schemeClr val="accent1"/>
+          </a:fillRef>
+          <a:effectRef idx="0">
+            <a:schemeClr val="accent1"/>
+          </a:effectRef>
+          <a:fontRef idx="minor">
+            <a:schemeClr val="tx1"/>
+          </a:fontRef>
+        </p:style>
+      </p:cxnSp>
+      <p:cxnSp>
+        <p:nvCxnSpPr>
+          <p:cNvPr id="51" name="直線コネクタ 50"/>
+          <p:cNvCxnSpPr>
+            <a:stCxn id="25" idx="2"/>
+            <a:endCxn id="27" idx="0"/>
+          </p:cNvCxnSpPr>
+          <p:nvPr/>
+        </p:nvCxnSpPr>
+        <p:spPr>
+          <a:xfrm>
+            <a:off x="7258973" y="3027282"/>
+            <a:ext cx="0" cy="245574"/>
+          </a:xfrm>
+          <a:prstGeom prst="line">
+            <a:avLst/>
+          </a:prstGeom>
+        </p:spPr>
+        <p:style>
+          <a:lnRef idx="1">
+            <a:schemeClr val="accent1"/>
+          </a:lnRef>
+          <a:fillRef idx="0">
+            <a:schemeClr val="accent1"/>
+          </a:fillRef>
+          <a:effectRef idx="0">
+            <a:schemeClr val="accent1"/>
+          </a:effectRef>
+          <a:fontRef idx="minor">
+            <a:schemeClr val="tx1"/>
+          </a:fontRef>
+        </p:style>
+      </p:cxnSp>
+      <p:cxnSp>
+        <p:nvCxnSpPr>
+          <p:cNvPr id="58" name="直線コネクタ 57"/>
+          <p:cNvCxnSpPr>
+            <a:stCxn id="64" idx="2"/>
+            <a:endCxn id="28" idx="0"/>
+          </p:cNvCxnSpPr>
+          <p:nvPr/>
+        </p:nvCxnSpPr>
+        <p:spPr>
+          <a:xfrm>
+            <a:off x="10930446" y="2515368"/>
+            <a:ext cx="0" cy="183440"/>
+          </a:xfrm>
+          <a:prstGeom prst="line">
+            <a:avLst/>
+          </a:prstGeom>
+        </p:spPr>
+        <p:style>
+          <a:lnRef idx="1">
+            <a:schemeClr val="accent1"/>
+          </a:lnRef>
+          <a:fillRef idx="0">
+            <a:schemeClr val="accent1"/>
+          </a:fillRef>
+          <a:effectRef idx="0">
+            <a:schemeClr val="accent1"/>
+          </a:effectRef>
+          <a:fontRef idx="minor">
+            <a:schemeClr val="tx1"/>
+          </a:fontRef>
+        </p:style>
+      </p:cxnSp>
+      <p:cxnSp>
+        <p:nvCxnSpPr>
+          <p:cNvPr id="61" name="直線コネクタ 60"/>
+          <p:cNvCxnSpPr>
+            <a:stCxn id="28" idx="2"/>
+            <a:endCxn id="30" idx="0"/>
+          </p:cNvCxnSpPr>
+          <p:nvPr/>
+        </p:nvCxnSpPr>
+        <p:spPr>
+          <a:xfrm>
+            <a:off x="10930446" y="3062808"/>
+            <a:ext cx="0" cy="174522"/>
+          </a:xfrm>
+          <a:prstGeom prst="line">
+            <a:avLst/>
+          </a:prstGeom>
+        </p:spPr>
+        <p:style>
+          <a:lnRef idx="1">
+            <a:schemeClr val="accent1"/>
+          </a:lnRef>
+          <a:fillRef idx="0">
+            <a:schemeClr val="accent1"/>
+          </a:fillRef>
+          <a:effectRef idx="0">
+            <a:schemeClr val="accent1"/>
+          </a:effectRef>
+          <a:fontRef idx="minor">
+            <a:schemeClr val="tx1"/>
+          </a:fontRef>
+        </p:style>
+      </p:cxnSp>
+      <p:sp>
+        <p:nvSpPr>
+          <p:cNvPr id="73" name="正方形/長方形 72"/>
+          <p:cNvSpPr/>
+          <p:nvPr/>
+        </p:nvSpPr>
+        <p:spPr>
+          <a:xfrm>
+            <a:off x="4048218" y="1370130"/>
+            <a:ext cx="1997475" cy="328474"/>
+          </a:xfrm>
+          <a:prstGeom prst="rect">
+            <a:avLst/>
+          </a:prstGeom>
+          <a:solidFill>
+            <a:schemeClr val="bg1"/>
+          </a:solidFill>
+          <a:ln>
+            <a:solidFill>
+              <a:schemeClr val="accent1">
+                <a:lumMod val="50000"/>
+              </a:schemeClr>
+            </a:solidFill>
+          </a:ln>
+        </p:spPr>
+        <p:style>
+          <a:lnRef idx="2">
+            <a:schemeClr val="accent1">
+              <a:shade val="50000"/>
+            </a:schemeClr>
+          </a:lnRef>
+          <a:fillRef idx="1">
+            <a:schemeClr val="accent1"/>
+          </a:fillRef>
+          <a:effectRef idx="0">
+            <a:schemeClr val="accent1"/>
+          </a:effectRef>
+          <a:fontRef idx="minor">
+            <a:schemeClr val="lt1"/>
+          </a:fontRef>
+        </p:style>
+        <p:txBody>
+          <a:bodyPr rtlCol="0" anchor="ctr"/>
+          <a:lstStyle/>
+          <a:p>
+            <a:pPr algn="ctr"/>
+            <a:r>
+              <a:rPr lang="ja-JP" altLang="en-US" sz="1000" dirty="0">
+                <a:solidFill>
+                  <a:schemeClr val="tx1"/>
+                </a:solidFill>
+              </a:rPr>
+              <a:t>職業関連情報管理トップ画面</a:t>
+            </a:r>
+            <a:endParaRPr lang="en-US" altLang="ja-JP" sz="1000" dirty="0">
+              <a:solidFill>
+                <a:schemeClr val="tx1"/>
+              </a:solidFill>
+            </a:endParaRPr>
+          </a:p>
+          <a:p>
+            <a:pPr algn="ctr"/>
+            <a:r>
+              <a:rPr lang="en-US" altLang="ja-JP" sz="1000" dirty="0" err="1">
+                <a:solidFill>
+                  <a:schemeClr val="tx1"/>
+                </a:solidFill>
+              </a:rPr>
+              <a:t>jobTop.php</a:t>
+            </a:r>
+            <a:endParaRPr kumimoji="1" lang="ja-JP" altLang="en-US" sz="1000" dirty="0">
+              <a:solidFill>
+                <a:schemeClr val="tx1"/>
+              </a:solidFill>
+            </a:endParaRPr>
+          </a:p>
+        </p:txBody>
+      </p:sp>
+    </p:spTree>
+    <p:extLst>
+      <p:ext uri="{BB962C8B-B14F-4D97-AF65-F5344CB8AC3E}">
+        <p14:creationId xmlns:p14="http://schemas.microsoft.com/office/powerpoint/2010/main" val="998411929"/>
+      </p:ext>
+    </p:extLst>
+  </p:cSld>
+  <p:clrMapOvr>
+    <a:masterClrMapping/>
+  </p:clrMapOvr>
+</p:sld>
+</file>
+
+<file path=ppt/slides/slide3.xml><?xml version="1.0" encoding="utf-8"?>
+<p:sld xmlns:a="http://schemas.openxmlformats.org/drawingml/2006/main" xmlns:r="http://schemas.openxmlformats.org/officeDocument/2006/relationships" xmlns:p="http://schemas.openxmlformats.org/presentationml/2006/main">
+  <p:cSld>
+    <p:spTree>
+      <p:nvGrpSpPr>
+        <p:cNvPr id="1" name=""/>
+        <p:cNvGrpSpPr/>
+        <p:nvPr/>
+      </p:nvGrpSpPr>
+      <p:grpSpPr>
+        <a:xfrm>
+          <a:off x="0" y="0"/>
+          <a:ext cx="0" cy="0"/>
+          <a:chOff x="0" y="0"/>
+          <a:chExt cx="0" cy="0"/>
+        </a:xfrm>
+      </p:grpSpPr>
+      <p:sp>
+        <p:nvSpPr>
+          <p:cNvPr id="18" name="正方形/長方形 17"/>
+          <p:cNvSpPr/>
+          <p:nvPr/>
+        </p:nvSpPr>
+        <p:spPr>
+          <a:xfrm>
+            <a:off x="4305671" y="337352"/>
+            <a:ext cx="1482571" cy="328474"/>
+          </a:xfrm>
+          <a:prstGeom prst="rect">
+            <a:avLst/>
+          </a:prstGeom>
+          <a:solidFill>
+            <a:schemeClr val="bg1"/>
+          </a:solidFill>
+          <a:ln>
+            <a:solidFill>
+              <a:schemeClr val="accent1">
+                <a:lumMod val="50000"/>
+              </a:schemeClr>
+            </a:solidFill>
+          </a:ln>
+        </p:spPr>
+        <p:style>
+          <a:lnRef idx="2">
+            <a:schemeClr val="accent1">
+              <a:shade val="50000"/>
+            </a:schemeClr>
+          </a:lnRef>
+          <a:fillRef idx="1">
+            <a:schemeClr val="accent1"/>
+          </a:fillRef>
+          <a:effectRef idx="0">
+            <a:schemeClr val="accent1"/>
+          </a:effectRef>
+          <a:fontRef idx="minor">
+            <a:schemeClr val="lt1"/>
+          </a:fontRef>
+        </p:style>
+        <p:txBody>
+          <a:bodyPr rtlCol="0" anchor="ctr"/>
+          <a:lstStyle/>
+          <a:p>
+            <a:pPr algn="ctr"/>
+            <a:r>
+              <a:rPr lang="ja-JP" altLang="en-US" sz="1000" dirty="0">
+                <a:solidFill>
+                  <a:schemeClr val="tx1"/>
+                </a:solidFill>
+              </a:rPr>
+              <a:t>ログイン画面</a:t>
+            </a:r>
+            <a:endParaRPr lang="en-US" altLang="ja-JP" sz="1000" dirty="0">
+              <a:solidFill>
+                <a:schemeClr val="tx1"/>
+              </a:solidFill>
+            </a:endParaRPr>
+          </a:p>
+          <a:p>
+            <a:pPr algn="ctr"/>
+            <a:r>
+              <a:rPr lang="en-US" altLang="ja-JP" sz="1000" dirty="0">
+                <a:solidFill>
+                  <a:schemeClr val="tx1"/>
+                </a:solidFill>
+              </a:rPr>
+              <a:t>login.html</a:t>
+            </a:r>
+            <a:endParaRPr kumimoji="1" lang="ja-JP" altLang="en-US" sz="1000" dirty="0">
+              <a:solidFill>
+                <a:schemeClr val="tx1"/>
+              </a:solidFill>
+            </a:endParaRPr>
+          </a:p>
+        </p:txBody>
+      </p:sp>
+      <p:sp>
+        <p:nvSpPr>
+          <p:cNvPr id="19" name="正方形/長方形 18"/>
+          <p:cNvSpPr/>
+          <p:nvPr/>
+        </p:nvSpPr>
+        <p:spPr>
+          <a:xfrm>
+            <a:off x="4305671" y="844860"/>
+            <a:ext cx="1482571" cy="328474"/>
+          </a:xfrm>
+          <a:prstGeom prst="rect">
+            <a:avLst/>
+          </a:prstGeom>
+          <a:solidFill>
+            <a:schemeClr val="bg1"/>
+          </a:solidFill>
+          <a:ln>
+            <a:solidFill>
+              <a:schemeClr val="accent1">
+                <a:lumMod val="50000"/>
+              </a:schemeClr>
+            </a:solidFill>
+          </a:ln>
+        </p:spPr>
+        <p:style>
+          <a:lnRef idx="2">
+            <a:schemeClr val="accent1">
+              <a:shade val="50000"/>
+            </a:schemeClr>
+          </a:lnRef>
+          <a:fillRef idx="1">
+            <a:schemeClr val="accent1"/>
+          </a:fillRef>
+          <a:effectRef idx="0">
+            <a:schemeClr val="accent1"/>
+          </a:effectRef>
+          <a:fontRef idx="minor">
+            <a:schemeClr val="lt1"/>
+          </a:fontRef>
+        </p:style>
+        <p:txBody>
+          <a:bodyPr rtlCol="0" anchor="ctr"/>
+          <a:lstStyle/>
+          <a:p>
+            <a:pPr algn="ctr"/>
+            <a:r>
+              <a:rPr lang="ja-JP" altLang="en-US" sz="1000" dirty="0">
+                <a:solidFill>
+                  <a:schemeClr val="tx1"/>
+                </a:solidFill>
+              </a:rPr>
+              <a:t>管理トップ画面</a:t>
+            </a:r>
+            <a:endParaRPr lang="en-US" altLang="ja-JP" sz="1000" dirty="0">
+              <a:solidFill>
+                <a:schemeClr val="tx1"/>
+              </a:solidFill>
+            </a:endParaRPr>
+          </a:p>
+          <a:p>
+            <a:pPr algn="ctr"/>
+            <a:r>
+              <a:rPr lang="en-US" altLang="ja-JP" sz="1000" dirty="0" err="1">
+                <a:solidFill>
+                  <a:schemeClr val="tx1"/>
+                </a:solidFill>
+              </a:rPr>
+              <a:t>kanri.php</a:t>
+            </a:r>
+            <a:endParaRPr kumimoji="1" lang="ja-JP" altLang="en-US" sz="1000" dirty="0">
+              <a:solidFill>
+                <a:schemeClr val="tx1"/>
+              </a:solidFill>
+            </a:endParaRPr>
+          </a:p>
+        </p:txBody>
+      </p:sp>
+      <p:cxnSp>
+        <p:nvCxnSpPr>
+          <p:cNvPr id="20" name="直線コネクタ 19"/>
+          <p:cNvCxnSpPr>
+            <a:stCxn id="18" idx="2"/>
+            <a:endCxn id="19" idx="0"/>
+          </p:cNvCxnSpPr>
+          <p:nvPr/>
+        </p:nvCxnSpPr>
+        <p:spPr>
+          <a:xfrm>
+            <a:off x="5046957" y="665826"/>
+            <a:ext cx="0" cy="179034"/>
+          </a:xfrm>
+          <a:prstGeom prst="line">
+            <a:avLst/>
+          </a:prstGeom>
+        </p:spPr>
+        <p:style>
+          <a:lnRef idx="1">
+            <a:schemeClr val="accent1"/>
+          </a:lnRef>
+          <a:fillRef idx="0">
+            <a:schemeClr val="accent1"/>
+          </a:fillRef>
+          <a:effectRef idx="0">
+            <a:schemeClr val="accent1"/>
+          </a:effectRef>
+          <a:fontRef idx="minor">
+            <a:schemeClr val="tx1"/>
+          </a:fontRef>
+        </p:style>
+      </p:cxnSp>
+      <p:sp>
+        <p:nvSpPr>
+          <p:cNvPr id="21" name="正方形/長方形 20"/>
+          <p:cNvSpPr/>
+          <p:nvPr/>
+        </p:nvSpPr>
+        <p:spPr>
+          <a:xfrm>
+            <a:off x="4048218" y="1370130"/>
+            <a:ext cx="1997475" cy="328474"/>
+          </a:xfrm>
+          <a:prstGeom prst="rect">
+            <a:avLst/>
+          </a:prstGeom>
+          <a:solidFill>
+            <a:schemeClr val="bg1"/>
+          </a:solidFill>
+          <a:ln>
+            <a:solidFill>
+              <a:schemeClr val="accent1">
+                <a:lumMod val="50000"/>
+              </a:schemeClr>
+            </a:solidFill>
+          </a:ln>
+        </p:spPr>
+        <p:style>
+          <a:lnRef idx="2">
+            <a:schemeClr val="accent1">
+              <a:shade val="50000"/>
+            </a:schemeClr>
+          </a:lnRef>
+          <a:fillRef idx="1">
+            <a:schemeClr val="accent1"/>
+          </a:fillRef>
+          <a:effectRef idx="0">
+            <a:schemeClr val="accent1"/>
+          </a:effectRef>
+          <a:fontRef idx="minor">
+            <a:schemeClr val="lt1"/>
+          </a:fontRef>
+        </p:style>
+        <p:txBody>
+          <a:bodyPr rtlCol="0" anchor="ctr"/>
+          <a:lstStyle/>
+          <a:p>
+            <a:pPr algn="ctr"/>
+            <a:r>
+              <a:rPr lang="ja-JP" altLang="en-US" sz="1000" dirty="0">
+                <a:solidFill>
+                  <a:schemeClr val="tx1"/>
+                </a:solidFill>
+              </a:rPr>
+              <a:t>職業関連情報管理トップ画面</a:t>
+            </a:r>
+            <a:endParaRPr lang="en-US" altLang="ja-JP" sz="1000" dirty="0">
+              <a:solidFill>
+                <a:schemeClr val="tx1"/>
+              </a:solidFill>
+            </a:endParaRPr>
+          </a:p>
+          <a:p>
+            <a:pPr algn="ctr"/>
+            <a:r>
+              <a:rPr lang="en-US" altLang="ja-JP" sz="1000" dirty="0" err="1">
+                <a:solidFill>
+                  <a:schemeClr val="tx1"/>
+                </a:solidFill>
+              </a:rPr>
+              <a:t>jobTop.php</a:t>
+            </a:r>
+            <a:endParaRPr kumimoji="1" lang="ja-JP" altLang="en-US" sz="1000" dirty="0">
+              <a:solidFill>
+                <a:schemeClr val="tx1"/>
+              </a:solidFill>
+            </a:endParaRPr>
+          </a:p>
+        </p:txBody>
+      </p:sp>
+      <p:sp>
+        <p:nvSpPr>
+          <p:cNvPr id="22" name="正方形/長方形 21"/>
+          <p:cNvSpPr/>
+          <p:nvPr/>
+        </p:nvSpPr>
+        <p:spPr>
+          <a:xfrm>
+            <a:off x="1766657" y="1370130"/>
+            <a:ext cx="1482571" cy="328474"/>
+          </a:xfrm>
+          <a:prstGeom prst="rect">
+            <a:avLst/>
+          </a:prstGeom>
+          <a:solidFill>
+            <a:schemeClr val="bg1"/>
+          </a:solidFill>
+          <a:ln>
+            <a:solidFill>
+              <a:schemeClr val="accent1">
+                <a:lumMod val="50000"/>
+              </a:schemeClr>
+            </a:solidFill>
+          </a:ln>
+        </p:spPr>
+        <p:style>
+          <a:lnRef idx="2">
+            <a:schemeClr val="accent1">
+              <a:shade val="50000"/>
+            </a:schemeClr>
+          </a:lnRef>
+          <a:fillRef idx="1">
+            <a:schemeClr val="accent1"/>
+          </a:fillRef>
+          <a:effectRef idx="0">
+            <a:schemeClr val="accent1"/>
+          </a:effectRef>
+          <a:fontRef idx="minor">
+            <a:schemeClr val="lt1"/>
+          </a:fontRef>
+        </p:style>
+        <p:txBody>
+          <a:bodyPr rtlCol="0" anchor="ctr"/>
+          <a:lstStyle/>
+          <a:p>
+            <a:pPr algn="ctr"/>
+            <a:r>
+              <a:rPr lang="ja-JP" altLang="en-US" sz="1000" dirty="0">
+                <a:solidFill>
+                  <a:schemeClr val="tx1"/>
+                </a:solidFill>
+              </a:rPr>
+              <a:t>タグ管理トップ画面</a:t>
+            </a:r>
+            <a:endParaRPr lang="en-US" altLang="ja-JP" sz="1000" dirty="0">
+              <a:solidFill>
+                <a:schemeClr val="tx1"/>
+              </a:solidFill>
+            </a:endParaRPr>
+          </a:p>
+          <a:p>
+            <a:pPr algn="ctr"/>
+            <a:r>
+              <a:rPr lang="en-US" altLang="ja-JP" sz="1000" dirty="0" err="1">
+                <a:solidFill>
+                  <a:schemeClr val="tx1"/>
+                </a:solidFill>
+              </a:rPr>
+              <a:t>tagTop.php</a:t>
+            </a:r>
+            <a:endParaRPr kumimoji="1" lang="ja-JP" altLang="en-US" sz="1000" dirty="0">
+              <a:solidFill>
+                <a:schemeClr val="tx1"/>
+              </a:solidFill>
+            </a:endParaRPr>
+          </a:p>
+        </p:txBody>
+      </p:sp>
+      <p:sp>
+        <p:nvSpPr>
+          <p:cNvPr id="23" name="正方形/長方形 22"/>
+          <p:cNvSpPr/>
+          <p:nvPr/>
+        </p:nvSpPr>
+        <p:spPr>
+          <a:xfrm>
+            <a:off x="7720243" y="1373097"/>
+            <a:ext cx="1712650" cy="328474"/>
+          </a:xfrm>
+          <a:prstGeom prst="rect">
+            <a:avLst/>
+          </a:prstGeom>
+          <a:solidFill>
+            <a:schemeClr val="bg1"/>
+          </a:solidFill>
+          <a:ln>
+            <a:solidFill>
+              <a:schemeClr val="accent1">
+                <a:lumMod val="50000"/>
+              </a:schemeClr>
+            </a:solidFill>
+          </a:ln>
+        </p:spPr>
+        <p:style>
+          <a:lnRef idx="2">
+            <a:schemeClr val="accent1">
+              <a:shade val="50000"/>
+            </a:schemeClr>
+          </a:lnRef>
+          <a:fillRef idx="1">
+            <a:schemeClr val="accent1"/>
+          </a:fillRef>
+          <a:effectRef idx="0">
+            <a:schemeClr val="accent1"/>
+          </a:effectRef>
+          <a:fontRef idx="minor">
+            <a:schemeClr val="lt1"/>
+          </a:fontRef>
+        </p:style>
+        <p:txBody>
+          <a:bodyPr rtlCol="0" anchor="ctr"/>
+          <a:lstStyle/>
+          <a:p>
+            <a:pPr algn="ctr"/>
+            <a:r>
+              <a:rPr lang="ja-JP" altLang="en-US" sz="1000" dirty="0">
+                <a:solidFill>
+                  <a:schemeClr val="tx1"/>
+                </a:solidFill>
+              </a:rPr>
+              <a:t>学校・学科管理トップ画面</a:t>
+            </a:r>
+            <a:endParaRPr lang="en-US" altLang="ja-JP" sz="1000" dirty="0">
+              <a:solidFill>
+                <a:schemeClr val="tx1"/>
+              </a:solidFill>
+            </a:endParaRPr>
+          </a:p>
+          <a:p>
+            <a:pPr algn="ctr"/>
+            <a:r>
+              <a:rPr lang="en-US" altLang="ja-JP" sz="1000" dirty="0" err="1">
+                <a:solidFill>
+                  <a:schemeClr val="tx1"/>
+                </a:solidFill>
+              </a:rPr>
+              <a:t>schoolTop.php</a:t>
+            </a:r>
+            <a:endParaRPr kumimoji="1" lang="ja-JP" altLang="en-US" sz="1000" dirty="0">
+              <a:solidFill>
+                <a:schemeClr val="tx1"/>
+              </a:solidFill>
+            </a:endParaRPr>
+          </a:p>
+        </p:txBody>
+      </p:sp>
+      <p:cxnSp>
+        <p:nvCxnSpPr>
+          <p:cNvPr id="24" name="カギ線コネクタ 23"/>
+          <p:cNvCxnSpPr>
+            <a:stCxn id="19" idx="2"/>
+            <a:endCxn id="22" idx="0"/>
+          </p:cNvCxnSpPr>
+          <p:nvPr/>
+        </p:nvCxnSpPr>
+        <p:spPr>
+          <a:xfrm rot="5400000">
+            <a:off x="3679052" y="2225"/>
+            <a:ext cx="196796" cy="2539014"/>
+          </a:xfrm>
+          <a:prstGeom prst="bentConnector3">
+            <a:avLst>
+              <a:gd name="adj1" fmla="val 50000"/>
+            </a:avLst>
+          </a:prstGeom>
+        </p:spPr>
+        <p:style>
+          <a:lnRef idx="1">
+            <a:schemeClr val="accent1"/>
+          </a:lnRef>
+          <a:fillRef idx="0">
+            <a:schemeClr val="accent1"/>
+          </a:fillRef>
+          <a:effectRef idx="0">
+            <a:schemeClr val="accent1"/>
+          </a:effectRef>
+          <a:fontRef idx="minor">
+            <a:schemeClr val="tx1"/>
+          </a:fontRef>
+        </p:style>
+      </p:cxnSp>
+      <p:cxnSp>
+        <p:nvCxnSpPr>
+          <p:cNvPr id="25" name="カギ線コネクタ 24"/>
+          <p:cNvCxnSpPr>
+            <a:stCxn id="19" idx="2"/>
+            <a:endCxn id="23" idx="0"/>
+          </p:cNvCxnSpPr>
+          <p:nvPr/>
+        </p:nvCxnSpPr>
+        <p:spPr>
+          <a:xfrm rot="16200000" flipH="1">
+            <a:off x="6711881" y="-491591"/>
+            <a:ext cx="199763" cy="3529611"/>
+          </a:xfrm>
+          <a:prstGeom prst="bentConnector3">
+            <a:avLst>
+              <a:gd name="adj1" fmla="val 50000"/>
+            </a:avLst>
+          </a:prstGeom>
+        </p:spPr>
+        <p:style>
+          <a:lnRef idx="1">
+            <a:schemeClr val="accent1"/>
+          </a:lnRef>
+          <a:fillRef idx="0">
+            <a:schemeClr val="accent1"/>
+          </a:fillRef>
+          <a:effectRef idx="0">
+            <a:schemeClr val="accent1"/>
+          </a:effectRef>
+          <a:fontRef idx="minor">
+            <a:schemeClr val="tx1"/>
+          </a:fontRef>
+        </p:style>
+      </p:cxnSp>
+      <p:cxnSp>
+        <p:nvCxnSpPr>
+          <p:cNvPr id="26" name="直線コネクタ 25"/>
+          <p:cNvCxnSpPr>
+            <a:stCxn id="19" idx="2"/>
+            <a:endCxn id="21" idx="0"/>
+          </p:cNvCxnSpPr>
+          <p:nvPr/>
+        </p:nvCxnSpPr>
+        <p:spPr>
+          <a:xfrm flipH="1">
+            <a:off x="5046956" y="1173334"/>
+            <a:ext cx="1" cy="196796"/>
+          </a:xfrm>
+          <a:prstGeom prst="line">
+            <a:avLst/>
+          </a:prstGeom>
+        </p:spPr>
+        <p:style>
+          <a:lnRef idx="1">
+            <a:schemeClr val="accent1"/>
+          </a:lnRef>
+          <a:fillRef idx="0">
+            <a:schemeClr val="accent1"/>
+          </a:fillRef>
+          <a:effectRef idx="0">
+            <a:schemeClr val="accent1"/>
+          </a:effectRef>
+          <a:fontRef idx="minor">
+            <a:schemeClr val="tx1"/>
+          </a:fontRef>
+        </p:style>
+      </p:cxnSp>
+      <p:sp>
+        <p:nvSpPr>
+          <p:cNvPr id="27" name="正方形/長方形 26"/>
+          <p:cNvSpPr/>
+          <p:nvPr/>
+        </p:nvSpPr>
+        <p:spPr>
+          <a:xfrm>
+            <a:off x="2610034" y="2077425"/>
+            <a:ext cx="1741504" cy="328474"/>
+          </a:xfrm>
+          <a:prstGeom prst="rect">
+            <a:avLst/>
+          </a:prstGeom>
+          <a:solidFill>
+            <a:schemeClr val="bg1"/>
+          </a:solidFill>
+          <a:ln>
+            <a:solidFill>
+              <a:schemeClr val="accent1">
+                <a:lumMod val="50000"/>
+              </a:schemeClr>
+            </a:solidFill>
+          </a:ln>
+        </p:spPr>
+        <p:style>
+          <a:lnRef idx="2">
+            <a:schemeClr val="accent1">
+              <a:shade val="50000"/>
+            </a:schemeClr>
+          </a:lnRef>
+          <a:fillRef idx="1">
+            <a:schemeClr val="accent1"/>
+          </a:fillRef>
+          <a:effectRef idx="0">
+            <a:schemeClr val="accent1"/>
+          </a:effectRef>
+          <a:fontRef idx="minor">
+            <a:schemeClr val="lt1"/>
+          </a:fontRef>
+        </p:style>
+        <p:txBody>
+          <a:bodyPr rtlCol="0" anchor="ctr"/>
+          <a:lstStyle/>
+          <a:p>
+            <a:pPr algn="ctr"/>
+            <a:r>
+              <a:rPr lang="ja-JP" altLang="en-US" sz="1000" dirty="0">
+                <a:solidFill>
+                  <a:schemeClr val="tx1"/>
+                </a:solidFill>
+              </a:rPr>
+              <a:t>職業管理選択画面</a:t>
+            </a:r>
+            <a:endParaRPr lang="en-US" altLang="ja-JP" sz="1000" dirty="0">
+              <a:solidFill>
+                <a:schemeClr val="tx1"/>
+              </a:solidFill>
+            </a:endParaRPr>
+          </a:p>
+          <a:p>
+            <a:pPr algn="ctr"/>
+            <a:r>
+              <a:rPr lang="en-US" altLang="ja-JP" sz="1000" dirty="0" err="1">
+                <a:solidFill>
+                  <a:schemeClr val="tx1"/>
+                </a:solidFill>
+              </a:rPr>
+              <a:t>kanriSelect.php</a:t>
+            </a:r>
+            <a:endParaRPr kumimoji="1" lang="ja-JP" altLang="en-US" sz="1000" dirty="0">
+              <a:solidFill>
+                <a:schemeClr val="tx1"/>
+              </a:solidFill>
+            </a:endParaRPr>
+          </a:p>
+        </p:txBody>
+      </p:sp>
+      <p:sp>
+        <p:nvSpPr>
+          <p:cNvPr id="28" name="正方形/長方形 27"/>
+          <p:cNvSpPr/>
+          <p:nvPr/>
+        </p:nvSpPr>
+        <p:spPr>
+          <a:xfrm>
+            <a:off x="6166284" y="2077425"/>
+            <a:ext cx="1746312" cy="328474"/>
+          </a:xfrm>
+          <a:prstGeom prst="rect">
+            <a:avLst/>
+          </a:prstGeom>
+          <a:solidFill>
+            <a:schemeClr val="bg1"/>
+          </a:solidFill>
+          <a:ln>
+            <a:solidFill>
+              <a:schemeClr val="accent1">
+                <a:lumMod val="50000"/>
+              </a:schemeClr>
+            </a:solidFill>
+          </a:ln>
+        </p:spPr>
+        <p:style>
+          <a:lnRef idx="2">
+            <a:schemeClr val="accent1">
+              <a:shade val="50000"/>
+            </a:schemeClr>
+          </a:lnRef>
+          <a:fillRef idx="1">
+            <a:schemeClr val="accent1"/>
+          </a:fillRef>
+          <a:effectRef idx="0">
+            <a:schemeClr val="accent1"/>
+          </a:effectRef>
+          <a:fontRef idx="minor">
+            <a:schemeClr val="lt1"/>
+          </a:fontRef>
+        </p:style>
+        <p:txBody>
+          <a:bodyPr rtlCol="0" anchor="ctr"/>
+          <a:lstStyle/>
+          <a:p>
+            <a:pPr algn="ctr"/>
+            <a:r>
+              <a:rPr lang="ja-JP" altLang="en-US" sz="1000" dirty="0">
+                <a:solidFill>
+                  <a:schemeClr val="tx1"/>
+                </a:solidFill>
+              </a:rPr>
+              <a:t>追加職業関連情報選択画面</a:t>
+            </a:r>
+            <a:endParaRPr lang="en-US" altLang="ja-JP" sz="1000" dirty="0">
+              <a:solidFill>
+                <a:schemeClr val="tx1"/>
+              </a:solidFill>
+            </a:endParaRPr>
+          </a:p>
+          <a:p>
+            <a:pPr algn="ctr"/>
+            <a:r>
+              <a:rPr lang="en-US" altLang="ja-JP" sz="1000" dirty="0" err="1">
+                <a:solidFill>
+                  <a:schemeClr val="tx1"/>
+                </a:solidFill>
+              </a:rPr>
+              <a:t>jobMake.php</a:t>
+            </a:r>
+            <a:endParaRPr kumimoji="1" lang="ja-JP" altLang="en-US" sz="1000" dirty="0">
+              <a:solidFill>
+                <a:schemeClr val="tx1"/>
+              </a:solidFill>
+            </a:endParaRPr>
+          </a:p>
+        </p:txBody>
+      </p:sp>
+      <p:sp>
+        <p:nvSpPr>
+          <p:cNvPr id="35" name="正方形/長方形 34"/>
+          <p:cNvSpPr/>
+          <p:nvPr/>
+        </p:nvSpPr>
+        <p:spPr>
+          <a:xfrm>
+            <a:off x="2361459" y="2709209"/>
+            <a:ext cx="2238655" cy="328474"/>
+          </a:xfrm>
+          <a:prstGeom prst="rect">
+            <a:avLst/>
+          </a:prstGeom>
+          <a:solidFill>
+            <a:schemeClr val="bg1"/>
+          </a:solidFill>
+          <a:ln>
+            <a:solidFill>
+              <a:schemeClr val="accent1">
+                <a:lumMod val="50000"/>
+              </a:schemeClr>
+            </a:solidFill>
+          </a:ln>
+        </p:spPr>
+        <p:style>
+          <a:lnRef idx="2">
+            <a:schemeClr val="accent1">
+              <a:shade val="50000"/>
+            </a:schemeClr>
+          </a:lnRef>
+          <a:fillRef idx="1">
+            <a:schemeClr val="accent1"/>
+          </a:fillRef>
+          <a:effectRef idx="0">
+            <a:schemeClr val="accent1"/>
+          </a:effectRef>
+          <a:fontRef idx="minor">
+            <a:schemeClr val="lt1"/>
+          </a:fontRef>
+        </p:style>
+        <p:txBody>
+          <a:bodyPr rtlCol="0" anchor="ctr"/>
+          <a:lstStyle/>
+          <a:p>
+            <a:pPr algn="ctr"/>
+            <a:r>
+              <a:rPr lang="ja-JP" altLang="en-US" sz="1000" dirty="0">
+                <a:solidFill>
+                  <a:schemeClr val="tx1"/>
+                </a:solidFill>
+              </a:rPr>
+              <a:t>職業詳細変更選択画面</a:t>
+            </a:r>
+            <a:endParaRPr lang="en-US" altLang="ja-JP" sz="1000" dirty="0">
+              <a:solidFill>
+                <a:schemeClr val="tx1"/>
+              </a:solidFill>
+            </a:endParaRPr>
+          </a:p>
+          <a:p>
+            <a:pPr algn="ctr"/>
+            <a:r>
+              <a:rPr lang="en-US" altLang="ja-JP" sz="1000" dirty="0" err="1">
+                <a:solidFill>
+                  <a:schemeClr val="tx1"/>
+                </a:solidFill>
+              </a:rPr>
+              <a:t>jobSelect.php</a:t>
+            </a:r>
+            <a:endParaRPr kumimoji="1" lang="ja-JP" altLang="en-US" sz="1000" dirty="0">
+              <a:solidFill>
+                <a:schemeClr val="tx1"/>
+              </a:solidFill>
+            </a:endParaRPr>
+          </a:p>
+        </p:txBody>
+      </p:sp>
+      <p:sp>
+        <p:nvSpPr>
+          <p:cNvPr id="36" name="正方形/長方形 35"/>
+          <p:cNvSpPr/>
+          <p:nvPr/>
+        </p:nvSpPr>
+        <p:spPr>
+          <a:xfrm>
+            <a:off x="1214762" y="3366156"/>
+            <a:ext cx="1998956" cy="328474"/>
+          </a:xfrm>
+          <a:prstGeom prst="rect">
+            <a:avLst/>
+          </a:prstGeom>
+          <a:solidFill>
+            <a:schemeClr val="bg1"/>
+          </a:solidFill>
+          <a:ln>
+            <a:solidFill>
+              <a:schemeClr val="accent1">
+                <a:lumMod val="50000"/>
+              </a:schemeClr>
+            </a:solidFill>
+          </a:ln>
+        </p:spPr>
+        <p:style>
+          <a:lnRef idx="2">
+            <a:schemeClr val="accent1">
+              <a:shade val="50000"/>
+            </a:schemeClr>
+          </a:lnRef>
+          <a:fillRef idx="1">
+            <a:schemeClr val="accent1"/>
+          </a:fillRef>
+          <a:effectRef idx="0">
+            <a:schemeClr val="accent1"/>
+          </a:effectRef>
+          <a:fontRef idx="minor">
+            <a:schemeClr val="lt1"/>
+          </a:fontRef>
+        </p:style>
+        <p:txBody>
+          <a:bodyPr rtlCol="0" anchor="ctr"/>
+          <a:lstStyle/>
+          <a:p>
+            <a:pPr algn="ctr"/>
+            <a:r>
+              <a:rPr lang="ja-JP" altLang="en-US" sz="1000" dirty="0">
+                <a:solidFill>
+                  <a:schemeClr val="tx1"/>
+                </a:solidFill>
+              </a:rPr>
+              <a:t>コメント選択画面</a:t>
+            </a:r>
+            <a:endParaRPr lang="en-US" altLang="ja-JP" sz="1000" dirty="0">
+              <a:solidFill>
+                <a:schemeClr val="tx1"/>
+              </a:solidFill>
+            </a:endParaRPr>
+          </a:p>
+          <a:p>
+            <a:pPr algn="ctr"/>
+            <a:r>
+              <a:rPr lang="en-US" altLang="ja-JP" sz="1000" dirty="0" err="1">
+                <a:solidFill>
+                  <a:schemeClr val="tx1"/>
+                </a:solidFill>
+              </a:rPr>
+              <a:t>commentKanri.php</a:t>
+            </a:r>
+            <a:endParaRPr kumimoji="1" lang="ja-JP" altLang="en-US" sz="1000" dirty="0">
+              <a:solidFill>
+                <a:schemeClr val="tx1"/>
+              </a:solidFill>
+            </a:endParaRPr>
+          </a:p>
+        </p:txBody>
+      </p:sp>
+      <p:sp>
+        <p:nvSpPr>
+          <p:cNvPr id="37" name="正方形/長方形 36"/>
+          <p:cNvSpPr/>
+          <p:nvPr/>
+        </p:nvSpPr>
+        <p:spPr>
+          <a:xfrm>
+            <a:off x="1214762" y="3997965"/>
+            <a:ext cx="1998956" cy="328474"/>
+          </a:xfrm>
+          <a:prstGeom prst="rect">
+            <a:avLst/>
+          </a:prstGeom>
+          <a:solidFill>
+            <a:schemeClr val="bg1"/>
+          </a:solidFill>
+          <a:ln>
+            <a:solidFill>
+              <a:schemeClr val="accent1">
+                <a:lumMod val="50000"/>
+              </a:schemeClr>
+            </a:solidFill>
+          </a:ln>
+        </p:spPr>
+        <p:style>
+          <a:lnRef idx="2">
+            <a:schemeClr val="accent1">
+              <a:shade val="50000"/>
+            </a:schemeClr>
+          </a:lnRef>
+          <a:fillRef idx="1">
+            <a:schemeClr val="accent1"/>
+          </a:fillRef>
+          <a:effectRef idx="0">
+            <a:schemeClr val="accent1"/>
+          </a:effectRef>
+          <a:fontRef idx="minor">
+            <a:schemeClr val="lt1"/>
+          </a:fontRef>
+        </p:style>
+        <p:txBody>
+          <a:bodyPr rtlCol="0" anchor="ctr"/>
+          <a:lstStyle/>
+          <a:p>
+            <a:pPr algn="ctr"/>
+            <a:r>
+              <a:rPr lang="ja-JP" altLang="en-US" sz="1000" dirty="0">
+                <a:solidFill>
+                  <a:schemeClr val="tx1"/>
+                </a:solidFill>
+              </a:rPr>
+              <a:t>コメント変更入力画面</a:t>
             </a:r>
             <a:endParaRPr lang="en-US" altLang="ja-JP" sz="1000" dirty="0">
               <a:solidFill>
